--- a/scripts/ch_1_video_1.pptx
+++ b/scripts/ch_1_video_1.pptx
@@ -1403,8 +1403,8 @@
     </dgm:pt>
   </dgm:ptLst>
   <dgm:cxnLst>
+    <dgm:cxn modelId="{CA680256-18CD-4D77-9572-48F9C4383C8C}" srcId="{63F41714-2DFB-4469-8636-67773DFE8486}" destId="{C9D123BE-E24C-47C7-85CB-6AA6D2A125DC}" srcOrd="1" destOrd="0" parTransId="{70054DB8-6E1C-4D0F-A0D5-045D981223CD}" sibTransId="{3B9A0398-D8E0-41A4-AACE-D7AE7CB3D78B}"/>
     <dgm:cxn modelId="{5E3D3E1E-60D4-4399-A020-1FBFB530E94C}" type="presOf" srcId="{63F41714-2DFB-4469-8636-67773DFE8486}" destId="{258E8AB2-C056-42C3-A6D4-158B90DB72A7}" srcOrd="0" destOrd="0" presId="urn:microsoft.com/office/officeart/2005/8/layout/venn2"/>
-    <dgm:cxn modelId="{CA680256-18CD-4D77-9572-48F9C4383C8C}" srcId="{63F41714-2DFB-4469-8636-67773DFE8486}" destId="{C9D123BE-E24C-47C7-85CB-6AA6D2A125DC}" srcOrd="1" destOrd="0" parTransId="{70054DB8-6E1C-4D0F-A0D5-045D981223CD}" sibTransId="{3B9A0398-D8E0-41A4-AACE-D7AE7CB3D78B}"/>
     <dgm:cxn modelId="{E6620AB8-AF8D-452E-BA01-D094D3BF6C49}" type="presOf" srcId="{4F67A1F9-2A02-4801-83F3-383770EF5B0F}" destId="{CDE2AEAA-5E71-4004-8C1F-52D9C4D86BFE}" srcOrd="0" destOrd="0" presId="urn:microsoft.com/office/officeart/2005/8/layout/venn2"/>
     <dgm:cxn modelId="{333B4F7A-344B-4092-91F6-688DD8652FB9}" srcId="{63F41714-2DFB-4469-8636-67773DFE8486}" destId="{4F67A1F9-2A02-4801-83F3-383770EF5B0F}" srcOrd="2" destOrd="0" parTransId="{11F76A31-2DD9-48F8-A284-E43F53E677D3}" sibTransId="{D69DE930-A3C3-4353-8BDB-13EE1AD21D3D}"/>
     <dgm:cxn modelId="{CBB8BFF8-7435-4985-8988-70F9EC6B5ADB}" type="presOf" srcId="{114407E9-8FD2-44E3-8725-657A618CB892}" destId="{E2769E64-C68E-4B8D-A269-7B4DD3D7A995}" srcOrd="1" destOrd="0" presId="urn:microsoft.com/office/officeart/2005/8/layout/venn2"/>
@@ -1414,8 +1414,8 @@
     <dgm:cxn modelId="{113A9846-F13E-4F74-86E5-66E4A9E83199}" type="presOf" srcId="{C9D123BE-E24C-47C7-85CB-6AA6D2A125DC}" destId="{F20DF4A8-2CB6-431A-9E96-E42EAB19D556}" srcOrd="0" destOrd="0" presId="urn:microsoft.com/office/officeart/2005/8/layout/venn2"/>
     <dgm:cxn modelId="{9F3B46DE-7C78-4FEA-A212-254ECFFDE436}" type="presOf" srcId="{110D4DBF-BFD4-4173-AC78-274392DC38A5}" destId="{D7246C59-7D8A-4151-971F-5DAB4743972B}" srcOrd="0" destOrd="0" presId="urn:microsoft.com/office/officeart/2005/8/layout/venn2"/>
     <dgm:cxn modelId="{3BC2875A-E20F-4A2B-B986-DCEC1425987A}" type="presOf" srcId="{114407E9-8FD2-44E3-8725-657A618CB892}" destId="{BD0FDC59-C84F-4F63-9787-2A13ED122D3A}" srcOrd="0" destOrd="0" presId="urn:microsoft.com/office/officeart/2005/8/layout/venn2"/>
+    <dgm:cxn modelId="{247DFED1-F99D-4FF6-BCD6-F17E5843AF54}" srcId="{63F41714-2DFB-4469-8636-67773DFE8486}" destId="{114407E9-8FD2-44E3-8725-657A618CB892}" srcOrd="3" destOrd="0" parTransId="{D5566665-ADD3-4D5F-BB65-FB19C7356DBB}" sibTransId="{B571785E-1B01-4730-B980-AE07B00F6F9E}"/>
     <dgm:cxn modelId="{7E01CAF6-4216-410C-A70A-5BC68A6F1A5F}" type="presOf" srcId="{C9D123BE-E24C-47C7-85CB-6AA6D2A125DC}" destId="{88D3628A-54B7-4D2F-B60B-321FA05E494F}" srcOrd="1" destOrd="0" presId="urn:microsoft.com/office/officeart/2005/8/layout/venn2"/>
-    <dgm:cxn modelId="{247DFED1-F99D-4FF6-BCD6-F17E5843AF54}" srcId="{63F41714-2DFB-4469-8636-67773DFE8486}" destId="{114407E9-8FD2-44E3-8725-657A618CB892}" srcOrd="3" destOrd="0" parTransId="{D5566665-ADD3-4D5F-BB65-FB19C7356DBB}" sibTransId="{B571785E-1B01-4730-B980-AE07B00F6F9E}"/>
     <dgm:cxn modelId="{9FE1AC33-18B2-4B9A-998F-AE9317C6FF6B}" type="presParOf" srcId="{258E8AB2-C056-42C3-A6D4-158B90DB72A7}" destId="{97468580-391A-46C0-B0CF-DF358DB699B1}" srcOrd="0" destOrd="0" presId="urn:microsoft.com/office/officeart/2005/8/layout/venn2"/>
     <dgm:cxn modelId="{1ABB05A8-6344-4413-A1A7-510C1E84B917}" type="presParOf" srcId="{97468580-391A-46C0-B0CF-DF358DB699B1}" destId="{D7246C59-7D8A-4151-971F-5DAB4743972B}" srcOrd="0" destOrd="0" presId="urn:microsoft.com/office/officeart/2005/8/layout/venn2"/>
     <dgm:cxn modelId="{B626AC91-E1CA-43AD-936B-9BA931407EE9}" type="presParOf" srcId="{97468580-391A-46C0-B0CF-DF358DB699B1}" destId="{B3DE94C7-A3D8-447D-A721-69479146E9DE}" srcOrd="1" destOrd="0" presId="urn:microsoft.com/office/officeart/2005/8/layout/venn2"/>
@@ -3739,7 +3739,7 @@
           </a:ln>
           <a:extLst>
             <a:ext uri="{C572A759-6A51-4108-AA02-DFA0A04FC94B}">
-              <ma14:wrappingTextBoxFlag xmlns:ma14="http://schemas.microsoft.com/office/mac/drawingml/2011/main" xmlns="" val="1"/>
+              <ma14:wrappingTextBoxFlag xmlns="" xmlns:ma14="http://schemas.microsoft.com/office/mac/drawingml/2011/main" val="1"/>
             </a:ext>
           </a:extLst>
         </p:spPr>
@@ -4153,7 +4153,7 @@
             <a:effectLst/>
             <a:extLst>
               <a:ext uri="{C572A759-6A51-4108-AA02-DFA0A04FC94B}">
-                <ma14:wrappingTextBoxFlag xmlns:ma14="http://schemas.microsoft.com/office/mac/drawingml/2011/main" xmlns="" val="1"/>
+                <ma14:wrappingTextBoxFlag xmlns="" xmlns:ma14="http://schemas.microsoft.com/office/mac/drawingml/2011/main" val="1"/>
               </a:ext>
             </a:extLst>
           </p:spPr>
@@ -4527,7 +4527,7 @@
             <a:effectLst/>
             <a:extLst>
               <a:ext uri="{C572A759-6A51-4108-AA02-DFA0A04FC94B}">
-                <ma14:wrappingTextBoxFlag xmlns:ma14="http://schemas.microsoft.com/office/mac/drawingml/2011/main" xmlns="" val="1"/>
+                <ma14:wrappingTextBoxFlag xmlns="" xmlns:ma14="http://schemas.microsoft.com/office/mac/drawingml/2011/main" val="1"/>
               </a:ext>
             </a:extLst>
           </p:spPr>
@@ -4671,7 +4671,7 @@
           </a:ln>
           <a:extLst>
             <a:ext uri="{C572A759-6A51-4108-AA02-DFA0A04FC94B}">
-              <ma14:wrappingTextBoxFlag xmlns:ma14="http://schemas.microsoft.com/office/mac/drawingml/2011/main" xmlns="" val="1"/>
+              <ma14:wrappingTextBoxFlag xmlns="" xmlns:ma14="http://schemas.microsoft.com/office/mac/drawingml/2011/main" val="1"/>
             </a:ext>
           </a:extLst>
         </p:spPr>
@@ -4799,7 +4799,7 @@
             <a:effectLst/>
             <a:extLst>
               <a:ext uri="{C572A759-6A51-4108-AA02-DFA0A04FC94B}">
-                <ma14:wrappingTextBoxFlag xmlns:ma14="http://schemas.microsoft.com/office/mac/drawingml/2011/main" xmlns="" val="1"/>
+                <ma14:wrappingTextBoxFlag xmlns="" xmlns:ma14="http://schemas.microsoft.com/office/mac/drawingml/2011/main" val="1"/>
               </a:ext>
             </a:extLst>
           </p:spPr>
@@ -4883,7 +4883,7 @@
           </a:ln>
           <a:extLst>
             <a:ext uri="{C572A759-6A51-4108-AA02-DFA0A04FC94B}">
-              <ma14:wrappingTextBoxFlag xmlns:ma14="http://schemas.microsoft.com/office/mac/drawingml/2011/main" xmlns="" val="1"/>
+              <ma14:wrappingTextBoxFlag xmlns="" xmlns:ma14="http://schemas.microsoft.com/office/mac/drawingml/2011/main" val="1"/>
             </a:ext>
           </a:extLst>
         </p:spPr>
@@ -6179,7 +6179,7 @@
           </a:ln>
           <a:extLst>
             <a:ext uri="{C572A759-6A51-4108-AA02-DFA0A04FC94B}">
-              <ma14:wrappingTextBoxFlag xmlns:ma14="http://schemas.microsoft.com/office/mac/drawingml/2011/main" xmlns="" val="1"/>
+              <ma14:wrappingTextBoxFlag xmlns="" xmlns:ma14="http://schemas.microsoft.com/office/mac/drawingml/2011/main" val="1"/>
             </a:ext>
           </a:extLst>
         </p:spPr>
@@ -6657,6 +6657,10 @@
           </p:nvPr>
         </p:nvSpPr>
         <p:spPr>
+          <a:xfrm>
+            <a:off x="1155700" y="3403600"/>
+            <a:ext cx="21932900" cy="9461500"/>
+          </a:xfrm>
           <a:prstGeom prst="rect">
             <a:avLst/>
           </a:prstGeom>
@@ -6666,35 +6670,22 @@
           <a:lstStyle/>
           <a:p>
             <a:r>
-              <a:rPr dirty="0">
-                <a:solidFill>
-                  <a:schemeClr val="bg1">
-                    <a:lumMod val="85000"/>
-                  </a:schemeClr>
-                </a:solidFill>
-              </a:rPr>
-              <a:t>Professor of Finance</a:t>
+              <a:rPr dirty="0" smtClean="0"/>
+              <a:t>Advisor </a:t>
             </a:r>
-          </a:p>
-          <a:p>
             <a:r>
               <a:rPr dirty="0"/>
-              <a:t>Advisor to investment companies</a:t>
+              <a:t>to investment </a:t>
             </a:r>
-          </a:p>
-          <a:p>
-            <a:pPr lvl="1"/>
             <a:r>
-              <a:rPr dirty="0"/>
-              <a:t>Expertise in portfolio management</a:t>
+              <a:rPr dirty="0" smtClean="0"/>
+              <a:t>companies</a:t>
             </a:r>
-          </a:p>
-          <a:p>
-            <a:pPr lvl="1"/>
             <a:r>
-              <a:rPr dirty="0"/>
-              <a:t>Focus on risk management</a:t>
+              <a:rPr lang="nl-BE" dirty="0" smtClean="0"/>
+              <a:t>, e.g. creation of Finvex low risk index:</a:t>
             </a:r>
+            <a:endParaRPr dirty="0"/>
           </a:p>
         </p:txBody>
       </p:sp>
@@ -6779,8 +6770,8 @@
         </p:blipFill>
         <p:spPr bwMode="auto">
           <a:xfrm>
-            <a:off x="14173200" y="3185160"/>
-            <a:ext cx="10055742" cy="8915400"/>
+            <a:off x="4672212" y="4495799"/>
+            <a:ext cx="9577188" cy="8491115"/>
           </a:xfrm>
           <a:prstGeom prst="rect">
             <a:avLst/>
@@ -6833,7 +6824,7 @@
         </p:blipFill>
         <p:spPr bwMode="auto">
           <a:xfrm>
-            <a:off x="3352800" y="8839200"/>
+            <a:off x="14706600" y="4761708"/>
             <a:ext cx="9491749" cy="2971800"/>
           </a:xfrm>
           <a:prstGeom prst="rect">

--- a/scripts/ch_1_video_1.pptx
+++ b/scripts/ch_1_video_1.pptx
@@ -5,7 +5,7 @@
     <p:sldMasterId id="2147483648" r:id="rId1"/>
   </p:sldMasterIdLst>
   <p:notesMasterIdLst>
-    <p:notesMasterId r:id="rId13"/>
+    <p:notesMasterId r:id="rId10"/>
   </p:notesMasterIdLst>
   <p:sldIdLst>
     <p:sldId id="256" r:id="rId2"/>
@@ -15,10 +15,7 @@
     <p:sldId id="259" r:id="rId6"/>
     <p:sldId id="262" r:id="rId7"/>
     <p:sldId id="263" r:id="rId8"/>
-    <p:sldId id="260" r:id="rId9"/>
-    <p:sldId id="264" r:id="rId10"/>
-    <p:sldId id="265" r:id="rId11"/>
-    <p:sldId id="266" r:id="rId12"/>
+    <p:sldId id="266" r:id="rId9"/>
   </p:sldIdLst>
   <p:sldSz cx="24384000" cy="13716000"/>
   <p:notesSz cx="6858000" cy="9144000"/>
@@ -3739,7 +3736,7 @@
           </a:ln>
           <a:extLst>
             <a:ext uri="{C572A759-6A51-4108-AA02-DFA0A04FC94B}">
-              <ma14:wrappingTextBoxFlag xmlns="" xmlns:ma14="http://schemas.microsoft.com/office/mac/drawingml/2011/main" val="1"/>
+              <ma14:wrappingTextBoxFlag xmlns:ma14="http://schemas.microsoft.com/office/mac/drawingml/2011/main" xmlns="" val="1"/>
             </a:ext>
           </a:extLst>
         </p:spPr>
@@ -4153,7 +4150,7 @@
             <a:effectLst/>
             <a:extLst>
               <a:ext uri="{C572A759-6A51-4108-AA02-DFA0A04FC94B}">
-                <ma14:wrappingTextBoxFlag xmlns="" xmlns:ma14="http://schemas.microsoft.com/office/mac/drawingml/2011/main" val="1"/>
+                <ma14:wrappingTextBoxFlag xmlns:ma14="http://schemas.microsoft.com/office/mac/drawingml/2011/main" xmlns="" val="1"/>
               </a:ext>
             </a:extLst>
           </p:spPr>
@@ -4527,7 +4524,7 @@
             <a:effectLst/>
             <a:extLst>
               <a:ext uri="{C572A759-6A51-4108-AA02-DFA0A04FC94B}">
-                <ma14:wrappingTextBoxFlag xmlns="" xmlns:ma14="http://schemas.microsoft.com/office/mac/drawingml/2011/main" val="1"/>
+                <ma14:wrappingTextBoxFlag xmlns:ma14="http://schemas.microsoft.com/office/mac/drawingml/2011/main" xmlns="" val="1"/>
               </a:ext>
             </a:extLst>
           </p:spPr>
@@ -4671,7 +4668,7 @@
           </a:ln>
           <a:extLst>
             <a:ext uri="{C572A759-6A51-4108-AA02-DFA0A04FC94B}">
-              <ma14:wrappingTextBoxFlag xmlns="" xmlns:ma14="http://schemas.microsoft.com/office/mac/drawingml/2011/main" val="1"/>
+              <ma14:wrappingTextBoxFlag xmlns:ma14="http://schemas.microsoft.com/office/mac/drawingml/2011/main" xmlns="" val="1"/>
             </a:ext>
           </a:extLst>
         </p:spPr>
@@ -4799,7 +4796,7 @@
             <a:effectLst/>
             <a:extLst>
               <a:ext uri="{C572A759-6A51-4108-AA02-DFA0A04FC94B}">
-                <ma14:wrappingTextBoxFlag xmlns="" xmlns:ma14="http://schemas.microsoft.com/office/mac/drawingml/2011/main" val="1"/>
+                <ma14:wrappingTextBoxFlag xmlns:ma14="http://schemas.microsoft.com/office/mac/drawingml/2011/main" xmlns="" val="1"/>
               </a:ext>
             </a:extLst>
           </p:spPr>
@@ -4883,7 +4880,7 @@
           </a:ln>
           <a:extLst>
             <a:ext uri="{C572A759-6A51-4108-AA02-DFA0A04FC94B}">
-              <ma14:wrappingTextBoxFlag xmlns="" xmlns:ma14="http://schemas.microsoft.com/office/mac/drawingml/2011/main" val="1"/>
+              <ma14:wrappingTextBoxFlag xmlns:ma14="http://schemas.microsoft.com/office/mac/drawingml/2011/main" xmlns="" val="1"/>
             </a:ext>
           </a:extLst>
         </p:spPr>
@@ -5823,268 +5820,6 @@
 </p:sld>
 </file>
 
-<file path=ppt/slides/slide10.xml><?xml version="1.0" encoding="utf-8"?>
-<p:sld xmlns:a="http://schemas.openxmlformats.org/drawingml/2006/main" xmlns:r="http://schemas.openxmlformats.org/officeDocument/2006/relationships" xmlns:p="http://schemas.openxmlformats.org/presentationml/2006/main">
-  <p:cSld>
-    <p:spTree>
-      <p:nvGrpSpPr>
-        <p:cNvPr id="1" name=""/>
-        <p:cNvGrpSpPr/>
-        <p:nvPr/>
-      </p:nvGrpSpPr>
-      <p:grpSpPr>
-        <a:xfrm>
-          <a:off x="0" y="0"/>
-          <a:ext cx="0" cy="0"/>
-          <a:chOff x="0" y="0"/>
-          <a:chExt cx="0" cy="0"/>
-        </a:xfrm>
-      </p:grpSpPr>
-      <p:sp>
-        <p:nvSpPr>
-          <p:cNvPr id="78" name="Shape 78"/>
-          <p:cNvSpPr>
-            <a:spLocks noGrp="1"/>
-          </p:cNvSpPr>
-          <p:nvPr>
-            <p:ph type="title"/>
-          </p:nvPr>
-        </p:nvSpPr>
-        <p:spPr>
-          <a:prstGeom prst="rect">
-            <a:avLst/>
-          </a:prstGeom>
-        </p:spPr>
-        <p:txBody>
-          <a:bodyPr>
-            <a:normAutofit fontScale="90000"/>
-          </a:bodyPr>
-          <a:lstStyle/>
-          <a:p>
-            <a:r>
-              <a:t>Course Overview</a:t>
-            </a:r>
-          </a:p>
-        </p:txBody>
-      </p:sp>
-      <p:sp>
-        <p:nvSpPr>
-          <p:cNvPr id="79" name="Shape 79"/>
-          <p:cNvSpPr>
-            <a:spLocks noGrp="1"/>
-          </p:cNvSpPr>
-          <p:nvPr>
-            <p:ph type="body" idx="1"/>
-          </p:nvPr>
-        </p:nvSpPr>
-        <p:spPr>
-          <a:prstGeom prst="rect">
-            <a:avLst/>
-          </a:prstGeom>
-        </p:spPr>
-        <p:txBody>
-          <a:bodyPr/>
-          <a:lstStyle/>
-          <a:p>
-            <a:r>
-              <a:rPr dirty="0">
-                <a:solidFill>
-                  <a:schemeClr val="bg1">
-                    <a:lumMod val="85000"/>
-                  </a:schemeClr>
-                </a:solidFill>
-              </a:rPr>
-              <a:t>Ch. 1: Portfolio Weights &amp; Returns</a:t>
-            </a:r>
-          </a:p>
-          <a:p>
-            <a:r>
-              <a:rPr dirty="0">
-                <a:solidFill>
-                  <a:schemeClr val="bg1">
-                    <a:lumMod val="85000"/>
-                  </a:schemeClr>
-                </a:solidFill>
-              </a:rPr>
-              <a:t>Ch. 2: Portfolio Performance </a:t>
-            </a:r>
-            <a:r>
-              <a:rPr dirty="0" smtClean="0">
-                <a:solidFill>
-                  <a:schemeClr val="bg1">
-                    <a:lumMod val="85000"/>
-                  </a:schemeClr>
-                </a:solidFill>
-              </a:rPr>
-              <a:t>Evaluation</a:t>
-            </a:r>
-            <a:endParaRPr dirty="0">
-              <a:solidFill>
-                <a:schemeClr val="bg1">
-                  <a:lumMod val="85000"/>
-                </a:schemeClr>
-              </a:solidFill>
-            </a:endParaRPr>
-          </a:p>
-          <a:p>
-            <a:r>
-              <a:rPr dirty="0"/>
-              <a:t>Ch. 3: Drivers of Performance </a:t>
-            </a:r>
-          </a:p>
-        </p:txBody>
-      </p:sp>
-    </p:spTree>
-    <p:extLst>
-      <p:ext uri="{BB962C8B-B14F-4D97-AF65-F5344CB8AC3E}">
-        <p14:creationId xmlns:p14="http://schemas.microsoft.com/office/powerpoint/2010/main" val="569584344"/>
-      </p:ext>
-    </p:extLst>
-  </p:cSld>
-  <p:clrMapOvr>
-    <a:masterClrMapping/>
-  </p:clrMapOvr>
-  <p:transition spd="slow"/>
-</p:sld>
-</file>
-
-<file path=ppt/slides/slide11.xml><?xml version="1.0" encoding="utf-8"?>
-<p:sld xmlns:a="http://schemas.openxmlformats.org/drawingml/2006/main" xmlns:r="http://schemas.openxmlformats.org/officeDocument/2006/relationships" xmlns:p="http://schemas.openxmlformats.org/presentationml/2006/main">
-  <p:cSld>
-    <p:spTree>
-      <p:nvGrpSpPr>
-        <p:cNvPr id="1" name=""/>
-        <p:cNvGrpSpPr/>
-        <p:nvPr/>
-      </p:nvGrpSpPr>
-      <p:grpSpPr>
-        <a:xfrm>
-          <a:off x="0" y="0"/>
-          <a:ext cx="0" cy="0"/>
-          <a:chOff x="0" y="0"/>
-          <a:chExt cx="0" cy="0"/>
-        </a:xfrm>
-      </p:grpSpPr>
-      <p:sp>
-        <p:nvSpPr>
-          <p:cNvPr id="78" name="Shape 78"/>
-          <p:cNvSpPr>
-            <a:spLocks noGrp="1"/>
-          </p:cNvSpPr>
-          <p:nvPr>
-            <p:ph type="title"/>
-          </p:nvPr>
-        </p:nvSpPr>
-        <p:spPr>
-          <a:prstGeom prst="rect">
-            <a:avLst/>
-          </a:prstGeom>
-        </p:spPr>
-        <p:txBody>
-          <a:bodyPr>
-            <a:normAutofit fontScale="90000"/>
-          </a:bodyPr>
-          <a:lstStyle/>
-          <a:p>
-            <a:r>
-              <a:t>Course Overview</a:t>
-            </a:r>
-          </a:p>
-        </p:txBody>
-      </p:sp>
-      <p:sp>
-        <p:nvSpPr>
-          <p:cNvPr id="79" name="Shape 79"/>
-          <p:cNvSpPr>
-            <a:spLocks noGrp="1"/>
-          </p:cNvSpPr>
-          <p:nvPr>
-            <p:ph type="body" idx="1"/>
-          </p:nvPr>
-        </p:nvSpPr>
-        <p:spPr>
-          <a:prstGeom prst="rect">
-            <a:avLst/>
-          </a:prstGeom>
-        </p:spPr>
-        <p:txBody>
-          <a:bodyPr/>
-          <a:lstStyle/>
-          <a:p>
-            <a:r>
-              <a:rPr dirty="0">
-                <a:solidFill>
-                  <a:schemeClr val="bg1">
-                    <a:lumMod val="85000"/>
-                  </a:schemeClr>
-                </a:solidFill>
-              </a:rPr>
-              <a:t>Ch. 1: Portfolio Weights &amp; Returns</a:t>
-            </a:r>
-          </a:p>
-          <a:p>
-            <a:r>
-              <a:rPr dirty="0">
-                <a:solidFill>
-                  <a:schemeClr val="bg1">
-                    <a:lumMod val="85000"/>
-                  </a:schemeClr>
-                </a:solidFill>
-              </a:rPr>
-              <a:t>Ch. 2: Portfolio Performance </a:t>
-            </a:r>
-            <a:r>
-              <a:rPr dirty="0" smtClean="0">
-                <a:solidFill>
-                  <a:schemeClr val="bg1">
-                    <a:lumMod val="85000"/>
-                  </a:schemeClr>
-                </a:solidFill>
-              </a:rPr>
-              <a:t>Evaluation</a:t>
-            </a:r>
-            <a:endParaRPr dirty="0">
-              <a:solidFill>
-                <a:schemeClr val="bg1">
-                  <a:lumMod val="85000"/>
-                </a:schemeClr>
-              </a:solidFill>
-            </a:endParaRPr>
-          </a:p>
-          <a:p>
-            <a:r>
-              <a:rPr dirty="0">
-                <a:solidFill>
-                  <a:schemeClr val="bg1">
-                    <a:lumMod val="85000"/>
-                  </a:schemeClr>
-                </a:solidFill>
-              </a:rPr>
-              <a:t>Ch. 3: Drivers of Performance </a:t>
-            </a:r>
-          </a:p>
-          <a:p>
-            <a:r>
-              <a:rPr dirty="0"/>
-              <a:t>Ch. 4: Portfolio Optimization</a:t>
-            </a:r>
-          </a:p>
-        </p:txBody>
-      </p:sp>
-    </p:spTree>
-    <p:extLst>
-      <p:ext uri="{BB962C8B-B14F-4D97-AF65-F5344CB8AC3E}">
-        <p14:creationId xmlns:p14="http://schemas.microsoft.com/office/powerpoint/2010/main" val="569584344"/>
-      </p:ext>
-    </p:extLst>
-  </p:cSld>
-  <p:clrMapOvr>
-    <a:masterClrMapping/>
-  </p:clrMapOvr>
-  <p:transition spd="slow"/>
-</p:sld>
-</file>
-
 <file path=ppt/slides/slide2.xml><?xml version="1.0" encoding="utf-8"?>
 <p:sld xmlns:a="http://schemas.openxmlformats.org/drawingml/2006/main" xmlns:r="http://schemas.openxmlformats.org/officeDocument/2006/relationships" xmlns:p="http://schemas.openxmlformats.org/presentationml/2006/main">
   <p:cSld>
@@ -6179,7 +5914,7 @@
           </a:ln>
           <a:extLst>
             <a:ext uri="{C572A759-6A51-4108-AA02-DFA0A04FC94B}">
-              <ma14:wrappingTextBoxFlag xmlns="" xmlns:ma14="http://schemas.microsoft.com/office/mac/drawingml/2011/main" val="1"/>
+              <ma14:wrappingTextBoxFlag xmlns:ma14="http://schemas.microsoft.com/office/mac/drawingml/2011/main" xmlns="" val="1"/>
             </a:ext>
           </a:extLst>
         </p:spPr>
@@ -7573,101 +7308,6 @@
           </p:nvPr>
         </p:nvSpPr>
         <p:spPr>
-          <a:xfrm>
-            <a:off x="990600" y="3581400"/>
-            <a:ext cx="18211800" cy="9461500"/>
-          </a:xfrm>
-          <a:prstGeom prst="rect">
-            <a:avLst/>
-          </a:prstGeom>
-        </p:spPr>
-        <p:txBody>
-          <a:bodyPr/>
-          <a:lstStyle/>
-          <a:p>
-            <a:r>
-              <a:rPr dirty="0"/>
-              <a:t>Ch. 1: Portfolio Weights &amp; Returns</a:t>
-            </a:r>
-          </a:p>
-          <a:p>
-            <a:pPr marL="152400" indent="0">
-              <a:buNone/>
-            </a:pPr>
-            <a:endParaRPr dirty="0">
-              <a:solidFill>
-                <a:schemeClr val="bg1">
-                  <a:lumMod val="85000"/>
-                </a:schemeClr>
-              </a:solidFill>
-            </a:endParaRPr>
-          </a:p>
-        </p:txBody>
-      </p:sp>
-    </p:spTree>
-  </p:cSld>
-  <p:clrMapOvr>
-    <a:masterClrMapping/>
-  </p:clrMapOvr>
-  <p:transition spd="slow"/>
-</p:sld>
-</file>
-
-<file path=ppt/slides/slide9.xml><?xml version="1.0" encoding="utf-8"?>
-<p:sld xmlns:a="http://schemas.openxmlformats.org/drawingml/2006/main" xmlns:r="http://schemas.openxmlformats.org/officeDocument/2006/relationships" xmlns:p="http://schemas.openxmlformats.org/presentationml/2006/main">
-  <p:cSld>
-    <p:spTree>
-      <p:nvGrpSpPr>
-        <p:cNvPr id="1" name=""/>
-        <p:cNvGrpSpPr/>
-        <p:nvPr/>
-      </p:nvGrpSpPr>
-      <p:grpSpPr>
-        <a:xfrm>
-          <a:off x="0" y="0"/>
-          <a:ext cx="0" cy="0"/>
-          <a:chOff x="0" y="0"/>
-          <a:chExt cx="0" cy="0"/>
-        </a:xfrm>
-      </p:grpSpPr>
-      <p:sp>
-        <p:nvSpPr>
-          <p:cNvPr id="78" name="Shape 78"/>
-          <p:cNvSpPr>
-            <a:spLocks noGrp="1"/>
-          </p:cNvSpPr>
-          <p:nvPr>
-            <p:ph type="title"/>
-          </p:nvPr>
-        </p:nvSpPr>
-        <p:spPr>
-          <a:prstGeom prst="rect">
-            <a:avLst/>
-          </a:prstGeom>
-        </p:spPr>
-        <p:txBody>
-          <a:bodyPr>
-            <a:normAutofit fontScale="90000"/>
-          </a:bodyPr>
-          <a:lstStyle/>
-          <a:p>
-            <a:r>
-              <a:t>Course Overview</a:t>
-            </a:r>
-          </a:p>
-        </p:txBody>
-      </p:sp>
-      <p:sp>
-        <p:nvSpPr>
-          <p:cNvPr id="79" name="Shape 79"/>
-          <p:cNvSpPr>
-            <a:spLocks noGrp="1"/>
-          </p:cNvSpPr>
-          <p:nvPr>
-            <p:ph type="body" idx="1"/>
-          </p:nvPr>
-        </p:nvSpPr>
-        <p:spPr>
           <a:prstGeom prst="rect">
             <a:avLst/>
           </a:prstGeom>
@@ -7679,9 +7319,7 @@
             <a:r>
               <a:rPr dirty="0">
                 <a:solidFill>
-                  <a:schemeClr val="bg1">
-                    <a:lumMod val="85000"/>
-                  </a:schemeClr>
+                  <a:schemeClr val="tx1"/>
                 </a:solidFill>
               </a:rPr>
               <a:t>Ch. 1: Portfolio Weights &amp; Returns</a:t>
@@ -7689,17 +7327,42 @@
           </a:p>
           <a:p>
             <a:r>
-              <a:rPr dirty="0"/>
+              <a:rPr dirty="0">
+                <a:solidFill>
+                  <a:schemeClr val="tx1"/>
+                </a:solidFill>
+              </a:rPr>
               <a:t>Ch. 2: Portfolio Performance </a:t>
             </a:r>
             <a:r>
-              <a:rPr dirty="0" smtClean="0"/>
+              <a:rPr dirty="0" smtClean="0">
+                <a:solidFill>
+                  <a:schemeClr val="tx1"/>
+                </a:solidFill>
+              </a:rPr>
               <a:t>Evaluation</a:t>
             </a:r>
-            <a:endParaRPr dirty="0"/>
+            <a:endParaRPr dirty="0">
+              <a:solidFill>
+                <a:schemeClr val="tx1"/>
+              </a:solidFill>
+            </a:endParaRPr>
           </a:p>
           <a:p>
-            <a:endParaRPr dirty="0"/>
+            <a:r>
+              <a:rPr dirty="0">
+                <a:solidFill>
+                  <a:schemeClr val="tx1"/>
+                </a:solidFill>
+              </a:rPr>
+              <a:t>Ch. 3: Drivers of Performance </a:t>
+            </a:r>
+          </a:p>
+          <a:p>
+            <a:r>
+              <a:rPr dirty="0"/>
+              <a:t>Ch. 4: Portfolio Optimization</a:t>
+            </a:r>
           </a:p>
         </p:txBody>
       </p:sp>

--- a/scripts/ch_1_video_1.pptx
+++ b/scripts/ch_1_video_1.pptx
@@ -1067,6 +1067,753 @@
 </dgm:colorsDef>
 </file>
 
+<file path=ppt/diagrams/colors2.xml><?xml version="1.0" encoding="utf-8"?>
+<dgm:colorsDef xmlns:dgm="http://schemas.openxmlformats.org/drawingml/2006/diagram" xmlns:a="http://schemas.openxmlformats.org/drawingml/2006/main" uniqueId="urn:microsoft.com/office/officeart/2005/8/colors/accent1_2">
+  <dgm:title val=""/>
+  <dgm:desc val=""/>
+  <dgm:catLst>
+    <dgm:cat type="accent1" pri="11200"/>
+  </dgm:catLst>
+  <dgm:styleLbl name="node0">
+    <dgm:fillClrLst meth="repeat">
+      <a:schemeClr val="accent1"/>
+    </dgm:fillClrLst>
+    <dgm:linClrLst meth="repeat">
+      <a:schemeClr val="lt1"/>
+    </dgm:linClrLst>
+    <dgm:effectClrLst/>
+    <dgm:txLinClrLst/>
+    <dgm:txFillClrLst/>
+    <dgm:txEffectClrLst/>
+  </dgm:styleLbl>
+  <dgm:styleLbl name="alignNode1">
+    <dgm:fillClrLst meth="repeat">
+      <a:schemeClr val="accent1"/>
+    </dgm:fillClrLst>
+    <dgm:linClrLst meth="repeat">
+      <a:schemeClr val="accent1"/>
+    </dgm:linClrLst>
+    <dgm:effectClrLst/>
+    <dgm:txLinClrLst/>
+    <dgm:txFillClrLst/>
+    <dgm:txEffectClrLst/>
+  </dgm:styleLbl>
+  <dgm:styleLbl name="node1">
+    <dgm:fillClrLst meth="repeat">
+      <a:schemeClr val="accent1"/>
+    </dgm:fillClrLst>
+    <dgm:linClrLst meth="repeat">
+      <a:schemeClr val="lt1"/>
+    </dgm:linClrLst>
+    <dgm:effectClrLst/>
+    <dgm:txLinClrLst/>
+    <dgm:txFillClrLst/>
+    <dgm:txEffectClrLst/>
+  </dgm:styleLbl>
+  <dgm:styleLbl name="lnNode1">
+    <dgm:fillClrLst meth="repeat">
+      <a:schemeClr val="accent1"/>
+    </dgm:fillClrLst>
+    <dgm:linClrLst meth="repeat">
+      <a:schemeClr val="lt1"/>
+    </dgm:linClrLst>
+    <dgm:effectClrLst/>
+    <dgm:txLinClrLst/>
+    <dgm:txFillClrLst/>
+    <dgm:txEffectClrLst/>
+  </dgm:styleLbl>
+  <dgm:styleLbl name="vennNode1">
+    <dgm:fillClrLst meth="repeat">
+      <a:schemeClr val="accent1">
+        <a:alpha val="50000"/>
+      </a:schemeClr>
+    </dgm:fillClrLst>
+    <dgm:linClrLst meth="repeat">
+      <a:schemeClr val="lt1"/>
+    </dgm:linClrLst>
+    <dgm:effectClrLst/>
+    <dgm:txLinClrLst/>
+    <dgm:txFillClrLst/>
+    <dgm:txEffectClrLst/>
+  </dgm:styleLbl>
+  <dgm:styleLbl name="node2">
+    <dgm:fillClrLst meth="repeat">
+      <a:schemeClr val="accent1"/>
+    </dgm:fillClrLst>
+    <dgm:linClrLst meth="repeat">
+      <a:schemeClr val="lt1"/>
+    </dgm:linClrLst>
+    <dgm:effectClrLst/>
+    <dgm:txLinClrLst/>
+    <dgm:txFillClrLst/>
+    <dgm:txEffectClrLst/>
+  </dgm:styleLbl>
+  <dgm:styleLbl name="node3">
+    <dgm:fillClrLst meth="repeat">
+      <a:schemeClr val="accent1"/>
+    </dgm:fillClrLst>
+    <dgm:linClrLst meth="repeat">
+      <a:schemeClr val="lt1"/>
+    </dgm:linClrLst>
+    <dgm:effectClrLst/>
+    <dgm:txLinClrLst/>
+    <dgm:txFillClrLst/>
+    <dgm:txEffectClrLst/>
+  </dgm:styleLbl>
+  <dgm:styleLbl name="node4">
+    <dgm:fillClrLst meth="repeat">
+      <a:schemeClr val="accent1"/>
+    </dgm:fillClrLst>
+    <dgm:linClrLst meth="repeat">
+      <a:schemeClr val="lt1"/>
+    </dgm:linClrLst>
+    <dgm:effectClrLst/>
+    <dgm:txLinClrLst/>
+    <dgm:txFillClrLst/>
+    <dgm:txEffectClrLst/>
+  </dgm:styleLbl>
+  <dgm:styleLbl name="fgImgPlace1">
+    <dgm:fillClrLst meth="repeat">
+      <a:schemeClr val="accent1">
+        <a:tint val="50000"/>
+      </a:schemeClr>
+    </dgm:fillClrLst>
+    <dgm:linClrLst meth="repeat">
+      <a:schemeClr val="lt1"/>
+    </dgm:linClrLst>
+    <dgm:effectClrLst/>
+    <dgm:txLinClrLst/>
+    <dgm:txFillClrLst meth="repeat">
+      <a:schemeClr val="lt1"/>
+    </dgm:txFillClrLst>
+    <dgm:txEffectClrLst/>
+  </dgm:styleLbl>
+  <dgm:styleLbl name="alignImgPlace1">
+    <dgm:fillClrLst meth="repeat">
+      <a:schemeClr val="accent1">
+        <a:tint val="50000"/>
+      </a:schemeClr>
+    </dgm:fillClrLst>
+    <dgm:linClrLst meth="repeat">
+      <a:schemeClr val="lt1"/>
+    </dgm:linClrLst>
+    <dgm:effectClrLst/>
+    <dgm:txLinClrLst/>
+    <dgm:txFillClrLst meth="repeat">
+      <a:schemeClr val="lt1"/>
+    </dgm:txFillClrLst>
+    <dgm:txEffectClrLst/>
+  </dgm:styleLbl>
+  <dgm:styleLbl name="bgImgPlace1">
+    <dgm:fillClrLst meth="repeat">
+      <a:schemeClr val="accent1">
+        <a:tint val="50000"/>
+      </a:schemeClr>
+    </dgm:fillClrLst>
+    <dgm:linClrLst meth="repeat">
+      <a:schemeClr val="lt1"/>
+    </dgm:linClrLst>
+    <dgm:effectClrLst/>
+    <dgm:txLinClrLst/>
+    <dgm:txFillClrLst meth="repeat">
+      <a:schemeClr val="lt1"/>
+    </dgm:txFillClrLst>
+    <dgm:txEffectClrLst/>
+  </dgm:styleLbl>
+  <dgm:styleLbl name="sibTrans2D1">
+    <dgm:fillClrLst meth="repeat">
+      <a:schemeClr val="accent1">
+        <a:tint val="60000"/>
+      </a:schemeClr>
+    </dgm:fillClrLst>
+    <dgm:linClrLst meth="repeat">
+      <a:schemeClr val="accent1">
+        <a:tint val="60000"/>
+      </a:schemeClr>
+    </dgm:linClrLst>
+    <dgm:effectClrLst/>
+    <dgm:txLinClrLst/>
+    <dgm:txFillClrLst/>
+    <dgm:txEffectClrLst/>
+  </dgm:styleLbl>
+  <dgm:styleLbl name="fgSibTrans2D1">
+    <dgm:fillClrLst meth="repeat">
+      <a:schemeClr val="accent1">
+        <a:tint val="60000"/>
+      </a:schemeClr>
+    </dgm:fillClrLst>
+    <dgm:linClrLst meth="repeat">
+      <a:schemeClr val="accent1">
+        <a:tint val="60000"/>
+      </a:schemeClr>
+    </dgm:linClrLst>
+    <dgm:effectClrLst/>
+    <dgm:txLinClrLst/>
+    <dgm:txFillClrLst/>
+    <dgm:txEffectClrLst/>
+  </dgm:styleLbl>
+  <dgm:styleLbl name="bgSibTrans2D1">
+    <dgm:fillClrLst meth="repeat">
+      <a:schemeClr val="accent1">
+        <a:tint val="60000"/>
+      </a:schemeClr>
+    </dgm:fillClrLst>
+    <dgm:linClrLst meth="repeat">
+      <a:schemeClr val="accent1">
+        <a:tint val="60000"/>
+      </a:schemeClr>
+    </dgm:linClrLst>
+    <dgm:effectClrLst/>
+    <dgm:txLinClrLst/>
+    <dgm:txFillClrLst/>
+    <dgm:txEffectClrLst/>
+  </dgm:styleLbl>
+  <dgm:styleLbl name="sibTrans1D1">
+    <dgm:fillClrLst meth="repeat">
+      <a:schemeClr val="accent1"/>
+    </dgm:fillClrLst>
+    <dgm:linClrLst meth="repeat">
+      <a:schemeClr val="accent1"/>
+    </dgm:linClrLst>
+    <dgm:effectClrLst/>
+    <dgm:txLinClrLst/>
+    <dgm:txFillClrLst meth="repeat">
+      <a:schemeClr val="tx1"/>
+    </dgm:txFillClrLst>
+    <dgm:txEffectClrLst/>
+  </dgm:styleLbl>
+  <dgm:styleLbl name="callout">
+    <dgm:fillClrLst meth="repeat">
+      <a:schemeClr val="accent1"/>
+    </dgm:fillClrLst>
+    <dgm:linClrLst meth="repeat">
+      <a:schemeClr val="accent1">
+        <a:tint val="50000"/>
+      </a:schemeClr>
+    </dgm:linClrLst>
+    <dgm:effectClrLst/>
+    <dgm:txLinClrLst/>
+    <dgm:txFillClrLst meth="repeat">
+      <a:schemeClr val="tx1"/>
+    </dgm:txFillClrLst>
+    <dgm:txEffectClrLst/>
+  </dgm:styleLbl>
+  <dgm:styleLbl name="asst0">
+    <dgm:fillClrLst meth="repeat">
+      <a:schemeClr val="accent1"/>
+    </dgm:fillClrLst>
+    <dgm:linClrLst meth="repeat">
+      <a:schemeClr val="lt1"/>
+    </dgm:linClrLst>
+    <dgm:effectClrLst/>
+    <dgm:txLinClrLst/>
+    <dgm:txFillClrLst/>
+    <dgm:txEffectClrLst/>
+  </dgm:styleLbl>
+  <dgm:styleLbl name="asst1">
+    <dgm:fillClrLst meth="repeat">
+      <a:schemeClr val="accent1"/>
+    </dgm:fillClrLst>
+    <dgm:linClrLst meth="repeat">
+      <a:schemeClr val="lt1"/>
+    </dgm:linClrLst>
+    <dgm:effectClrLst/>
+    <dgm:txLinClrLst/>
+    <dgm:txFillClrLst/>
+    <dgm:txEffectClrLst/>
+  </dgm:styleLbl>
+  <dgm:styleLbl name="asst2">
+    <dgm:fillClrLst meth="repeat">
+      <a:schemeClr val="accent1"/>
+    </dgm:fillClrLst>
+    <dgm:linClrLst meth="repeat">
+      <a:schemeClr val="lt1"/>
+    </dgm:linClrLst>
+    <dgm:effectClrLst/>
+    <dgm:txLinClrLst/>
+    <dgm:txFillClrLst/>
+    <dgm:txEffectClrLst/>
+  </dgm:styleLbl>
+  <dgm:styleLbl name="asst3">
+    <dgm:fillClrLst meth="repeat">
+      <a:schemeClr val="accent1"/>
+    </dgm:fillClrLst>
+    <dgm:linClrLst meth="repeat">
+      <a:schemeClr val="lt1"/>
+    </dgm:linClrLst>
+    <dgm:effectClrLst/>
+    <dgm:txLinClrLst/>
+    <dgm:txFillClrLst/>
+    <dgm:txEffectClrLst/>
+  </dgm:styleLbl>
+  <dgm:styleLbl name="asst4">
+    <dgm:fillClrLst meth="repeat">
+      <a:schemeClr val="accent1"/>
+    </dgm:fillClrLst>
+    <dgm:linClrLst meth="repeat">
+      <a:schemeClr val="lt1"/>
+    </dgm:linClrLst>
+    <dgm:effectClrLst/>
+    <dgm:txLinClrLst/>
+    <dgm:txFillClrLst/>
+    <dgm:txEffectClrLst/>
+  </dgm:styleLbl>
+  <dgm:styleLbl name="parChTrans2D1">
+    <dgm:fillClrLst meth="repeat">
+      <a:schemeClr val="accent1">
+        <a:tint val="60000"/>
+      </a:schemeClr>
+    </dgm:fillClrLst>
+    <dgm:linClrLst meth="repeat">
+      <a:schemeClr val="accent1">
+        <a:tint val="60000"/>
+      </a:schemeClr>
+    </dgm:linClrLst>
+    <dgm:effectClrLst/>
+    <dgm:txLinClrLst/>
+    <dgm:txFillClrLst meth="repeat">
+      <a:schemeClr val="lt1"/>
+    </dgm:txFillClrLst>
+    <dgm:txEffectClrLst/>
+  </dgm:styleLbl>
+  <dgm:styleLbl name="parChTrans2D2">
+    <dgm:fillClrLst meth="repeat">
+      <a:schemeClr val="accent1"/>
+    </dgm:fillClrLst>
+    <dgm:linClrLst meth="repeat">
+      <a:schemeClr val="accent1"/>
+    </dgm:linClrLst>
+    <dgm:effectClrLst/>
+    <dgm:txLinClrLst/>
+    <dgm:txFillClrLst meth="repeat">
+      <a:schemeClr val="lt1"/>
+    </dgm:txFillClrLst>
+    <dgm:txEffectClrLst/>
+  </dgm:styleLbl>
+  <dgm:styleLbl name="parChTrans2D3">
+    <dgm:fillClrLst meth="repeat">
+      <a:schemeClr val="accent1"/>
+    </dgm:fillClrLst>
+    <dgm:linClrLst meth="repeat">
+      <a:schemeClr val="accent1"/>
+    </dgm:linClrLst>
+    <dgm:effectClrLst/>
+    <dgm:txLinClrLst/>
+    <dgm:txFillClrLst meth="repeat">
+      <a:schemeClr val="lt1"/>
+    </dgm:txFillClrLst>
+    <dgm:txEffectClrLst/>
+  </dgm:styleLbl>
+  <dgm:styleLbl name="parChTrans2D4">
+    <dgm:fillClrLst meth="repeat">
+      <a:schemeClr val="accent1"/>
+    </dgm:fillClrLst>
+    <dgm:linClrLst meth="repeat">
+      <a:schemeClr val="accent1"/>
+    </dgm:linClrLst>
+    <dgm:effectClrLst/>
+    <dgm:txLinClrLst/>
+    <dgm:txFillClrLst meth="repeat">
+      <a:schemeClr val="lt1"/>
+    </dgm:txFillClrLst>
+    <dgm:txEffectClrLst/>
+  </dgm:styleLbl>
+  <dgm:styleLbl name="parChTrans1D1">
+    <dgm:fillClrLst meth="repeat">
+      <a:schemeClr val="accent1"/>
+    </dgm:fillClrLst>
+    <dgm:linClrLst meth="repeat">
+      <a:schemeClr val="accent1">
+        <a:shade val="60000"/>
+      </a:schemeClr>
+    </dgm:linClrLst>
+    <dgm:effectClrLst/>
+    <dgm:txLinClrLst/>
+    <dgm:txFillClrLst meth="repeat">
+      <a:schemeClr val="tx1"/>
+    </dgm:txFillClrLst>
+    <dgm:txEffectClrLst/>
+  </dgm:styleLbl>
+  <dgm:styleLbl name="parChTrans1D2">
+    <dgm:fillClrLst meth="repeat">
+      <a:schemeClr val="accent1"/>
+    </dgm:fillClrLst>
+    <dgm:linClrLst meth="repeat">
+      <a:schemeClr val="accent1">
+        <a:shade val="60000"/>
+      </a:schemeClr>
+    </dgm:linClrLst>
+    <dgm:effectClrLst/>
+    <dgm:txLinClrLst/>
+    <dgm:txFillClrLst meth="repeat">
+      <a:schemeClr val="tx1"/>
+    </dgm:txFillClrLst>
+    <dgm:txEffectClrLst/>
+  </dgm:styleLbl>
+  <dgm:styleLbl name="parChTrans1D3">
+    <dgm:fillClrLst meth="repeat">
+      <a:schemeClr val="accent1"/>
+    </dgm:fillClrLst>
+    <dgm:linClrLst meth="repeat">
+      <a:schemeClr val="accent1">
+        <a:shade val="80000"/>
+      </a:schemeClr>
+    </dgm:linClrLst>
+    <dgm:effectClrLst/>
+    <dgm:txLinClrLst/>
+    <dgm:txFillClrLst meth="repeat">
+      <a:schemeClr val="tx1"/>
+    </dgm:txFillClrLst>
+    <dgm:txEffectClrLst/>
+  </dgm:styleLbl>
+  <dgm:styleLbl name="parChTrans1D4">
+    <dgm:fillClrLst meth="repeat">
+      <a:schemeClr val="accent1"/>
+    </dgm:fillClrLst>
+    <dgm:linClrLst meth="repeat">
+      <a:schemeClr val="accent1">
+        <a:shade val="80000"/>
+      </a:schemeClr>
+    </dgm:linClrLst>
+    <dgm:effectClrLst/>
+    <dgm:txLinClrLst/>
+    <dgm:txFillClrLst meth="repeat">
+      <a:schemeClr val="tx1"/>
+    </dgm:txFillClrLst>
+    <dgm:txEffectClrLst/>
+  </dgm:styleLbl>
+  <dgm:styleLbl name="fgAcc1">
+    <dgm:fillClrLst meth="repeat">
+      <a:schemeClr val="lt1">
+        <a:alpha val="90000"/>
+      </a:schemeClr>
+    </dgm:fillClrLst>
+    <dgm:linClrLst meth="repeat">
+      <a:schemeClr val="accent1"/>
+    </dgm:linClrLst>
+    <dgm:effectClrLst/>
+    <dgm:txLinClrLst/>
+    <dgm:txFillClrLst meth="repeat">
+      <a:schemeClr val="dk1"/>
+    </dgm:txFillClrLst>
+    <dgm:txEffectClrLst/>
+  </dgm:styleLbl>
+  <dgm:styleLbl name="conFgAcc1">
+    <dgm:fillClrLst meth="repeat">
+      <a:schemeClr val="lt1">
+        <a:alpha val="90000"/>
+      </a:schemeClr>
+    </dgm:fillClrLst>
+    <dgm:linClrLst meth="repeat">
+      <a:schemeClr val="accent1"/>
+    </dgm:linClrLst>
+    <dgm:effectClrLst/>
+    <dgm:txLinClrLst/>
+    <dgm:txFillClrLst meth="repeat">
+      <a:schemeClr val="dk1"/>
+    </dgm:txFillClrLst>
+    <dgm:txEffectClrLst/>
+  </dgm:styleLbl>
+  <dgm:styleLbl name="alignAcc1">
+    <dgm:fillClrLst meth="repeat">
+      <a:schemeClr val="lt1">
+        <a:alpha val="90000"/>
+      </a:schemeClr>
+    </dgm:fillClrLst>
+    <dgm:linClrLst meth="repeat">
+      <a:schemeClr val="accent1"/>
+    </dgm:linClrLst>
+    <dgm:effectClrLst/>
+    <dgm:txLinClrLst/>
+    <dgm:txFillClrLst meth="repeat">
+      <a:schemeClr val="dk1"/>
+    </dgm:txFillClrLst>
+    <dgm:txEffectClrLst/>
+  </dgm:styleLbl>
+  <dgm:styleLbl name="trAlignAcc1">
+    <dgm:fillClrLst meth="repeat">
+      <a:schemeClr val="lt1">
+        <a:alpha val="40000"/>
+      </a:schemeClr>
+    </dgm:fillClrLst>
+    <dgm:linClrLst meth="repeat">
+      <a:schemeClr val="accent1"/>
+    </dgm:linClrLst>
+    <dgm:effectClrLst/>
+    <dgm:txLinClrLst/>
+    <dgm:txFillClrLst meth="repeat">
+      <a:schemeClr val="dk1"/>
+    </dgm:txFillClrLst>
+    <dgm:txEffectClrLst/>
+  </dgm:styleLbl>
+  <dgm:styleLbl name="bgAcc1">
+    <dgm:fillClrLst meth="repeat">
+      <a:schemeClr val="lt1">
+        <a:alpha val="90000"/>
+      </a:schemeClr>
+    </dgm:fillClrLst>
+    <dgm:linClrLst meth="repeat">
+      <a:schemeClr val="accent1"/>
+    </dgm:linClrLst>
+    <dgm:effectClrLst/>
+    <dgm:txLinClrLst/>
+    <dgm:txFillClrLst meth="repeat">
+      <a:schemeClr val="dk1"/>
+    </dgm:txFillClrLst>
+    <dgm:txEffectClrLst/>
+  </dgm:styleLbl>
+  <dgm:styleLbl name="solidFgAcc1">
+    <dgm:fillClrLst meth="repeat">
+      <a:schemeClr val="lt1"/>
+    </dgm:fillClrLst>
+    <dgm:linClrLst meth="repeat">
+      <a:schemeClr val="accent1"/>
+    </dgm:linClrLst>
+    <dgm:effectClrLst/>
+    <dgm:txLinClrLst/>
+    <dgm:txFillClrLst meth="repeat">
+      <a:schemeClr val="dk1"/>
+    </dgm:txFillClrLst>
+    <dgm:txEffectClrLst/>
+  </dgm:styleLbl>
+  <dgm:styleLbl name="solidAlignAcc1">
+    <dgm:fillClrLst meth="repeat">
+      <a:schemeClr val="lt1"/>
+    </dgm:fillClrLst>
+    <dgm:linClrLst meth="repeat">
+      <a:schemeClr val="accent1"/>
+    </dgm:linClrLst>
+    <dgm:effectClrLst/>
+    <dgm:txLinClrLst/>
+    <dgm:txFillClrLst meth="repeat">
+      <a:schemeClr val="dk1"/>
+    </dgm:txFillClrLst>
+    <dgm:txEffectClrLst/>
+  </dgm:styleLbl>
+  <dgm:styleLbl name="solidBgAcc1">
+    <dgm:fillClrLst meth="repeat">
+      <a:schemeClr val="lt1"/>
+    </dgm:fillClrLst>
+    <dgm:linClrLst meth="repeat">
+      <a:schemeClr val="accent1"/>
+    </dgm:linClrLst>
+    <dgm:effectClrLst/>
+    <dgm:txLinClrLst/>
+    <dgm:txFillClrLst meth="repeat">
+      <a:schemeClr val="dk1"/>
+    </dgm:txFillClrLst>
+    <dgm:txEffectClrLst/>
+  </dgm:styleLbl>
+  <dgm:styleLbl name="fgAccFollowNode1">
+    <dgm:fillClrLst meth="repeat">
+      <a:schemeClr val="accent1">
+        <a:alpha val="90000"/>
+        <a:tint val="40000"/>
+      </a:schemeClr>
+    </dgm:fillClrLst>
+    <dgm:linClrLst meth="repeat">
+      <a:schemeClr val="accent1">
+        <a:alpha val="90000"/>
+        <a:tint val="40000"/>
+      </a:schemeClr>
+    </dgm:linClrLst>
+    <dgm:effectClrLst/>
+    <dgm:txLinClrLst/>
+    <dgm:txFillClrLst meth="repeat">
+      <a:schemeClr val="dk1"/>
+    </dgm:txFillClrLst>
+    <dgm:txEffectClrLst/>
+  </dgm:styleLbl>
+  <dgm:styleLbl name="alignAccFollowNode1">
+    <dgm:fillClrLst meth="repeat">
+      <a:schemeClr val="accent1">
+        <a:alpha val="90000"/>
+        <a:tint val="40000"/>
+      </a:schemeClr>
+    </dgm:fillClrLst>
+    <dgm:linClrLst meth="repeat">
+      <a:schemeClr val="accent1">
+        <a:alpha val="90000"/>
+        <a:tint val="40000"/>
+      </a:schemeClr>
+    </dgm:linClrLst>
+    <dgm:effectClrLst/>
+    <dgm:txLinClrLst/>
+    <dgm:txFillClrLst meth="repeat">
+      <a:schemeClr val="dk1"/>
+    </dgm:txFillClrLst>
+    <dgm:txEffectClrLst/>
+  </dgm:styleLbl>
+  <dgm:styleLbl name="bgAccFollowNode1">
+    <dgm:fillClrLst meth="repeat">
+      <a:schemeClr val="accent1">
+        <a:alpha val="90000"/>
+        <a:tint val="40000"/>
+      </a:schemeClr>
+    </dgm:fillClrLst>
+    <dgm:linClrLst meth="repeat">
+      <a:schemeClr val="accent1">
+        <a:alpha val="90000"/>
+        <a:tint val="40000"/>
+      </a:schemeClr>
+    </dgm:linClrLst>
+    <dgm:effectClrLst/>
+    <dgm:txLinClrLst/>
+    <dgm:txFillClrLst meth="repeat">
+      <a:schemeClr val="dk1"/>
+    </dgm:txFillClrLst>
+    <dgm:txEffectClrLst/>
+  </dgm:styleLbl>
+  <dgm:styleLbl name="fgAcc0">
+    <dgm:fillClrLst meth="repeat">
+      <a:schemeClr val="lt1">
+        <a:alpha val="90000"/>
+      </a:schemeClr>
+    </dgm:fillClrLst>
+    <dgm:linClrLst meth="repeat">
+      <a:schemeClr val="accent1"/>
+    </dgm:linClrLst>
+    <dgm:effectClrLst/>
+    <dgm:txLinClrLst/>
+    <dgm:txFillClrLst meth="repeat">
+      <a:schemeClr val="dk1"/>
+    </dgm:txFillClrLst>
+    <dgm:txEffectClrLst/>
+  </dgm:styleLbl>
+  <dgm:styleLbl name="fgAcc2">
+    <dgm:fillClrLst meth="repeat">
+      <a:schemeClr val="lt1">
+        <a:alpha val="90000"/>
+      </a:schemeClr>
+    </dgm:fillClrLst>
+    <dgm:linClrLst meth="repeat">
+      <a:schemeClr val="accent1"/>
+    </dgm:linClrLst>
+    <dgm:effectClrLst/>
+    <dgm:txLinClrLst/>
+    <dgm:txFillClrLst meth="repeat">
+      <a:schemeClr val="dk1"/>
+    </dgm:txFillClrLst>
+    <dgm:txEffectClrLst/>
+  </dgm:styleLbl>
+  <dgm:styleLbl name="fgAcc3">
+    <dgm:fillClrLst meth="repeat">
+      <a:schemeClr val="lt1">
+        <a:alpha val="90000"/>
+      </a:schemeClr>
+    </dgm:fillClrLst>
+    <dgm:linClrLst meth="repeat">
+      <a:schemeClr val="accent1"/>
+    </dgm:linClrLst>
+    <dgm:effectClrLst/>
+    <dgm:txLinClrLst/>
+    <dgm:txFillClrLst meth="repeat">
+      <a:schemeClr val="dk1"/>
+    </dgm:txFillClrLst>
+    <dgm:txEffectClrLst/>
+  </dgm:styleLbl>
+  <dgm:styleLbl name="fgAcc4">
+    <dgm:fillClrLst meth="repeat">
+      <a:schemeClr val="lt1">
+        <a:alpha val="90000"/>
+      </a:schemeClr>
+    </dgm:fillClrLst>
+    <dgm:linClrLst meth="repeat">
+      <a:schemeClr val="accent1"/>
+    </dgm:linClrLst>
+    <dgm:effectClrLst/>
+    <dgm:txLinClrLst/>
+    <dgm:txFillClrLst meth="repeat">
+      <a:schemeClr val="dk1"/>
+    </dgm:txFillClrLst>
+    <dgm:txEffectClrLst/>
+  </dgm:styleLbl>
+  <dgm:styleLbl name="bgShp">
+    <dgm:fillClrLst meth="repeat">
+      <a:schemeClr val="accent1">
+        <a:tint val="40000"/>
+      </a:schemeClr>
+    </dgm:fillClrLst>
+    <dgm:linClrLst meth="repeat">
+      <a:schemeClr val="accent1"/>
+    </dgm:linClrLst>
+    <dgm:effectClrLst/>
+    <dgm:txLinClrLst/>
+    <dgm:txFillClrLst meth="repeat">
+      <a:schemeClr val="dk1"/>
+    </dgm:txFillClrLst>
+    <dgm:txEffectClrLst/>
+  </dgm:styleLbl>
+  <dgm:styleLbl name="dkBgShp">
+    <dgm:fillClrLst meth="repeat">
+      <a:schemeClr val="accent1">
+        <a:shade val="80000"/>
+      </a:schemeClr>
+    </dgm:fillClrLst>
+    <dgm:linClrLst meth="repeat">
+      <a:schemeClr val="accent1"/>
+    </dgm:linClrLst>
+    <dgm:effectClrLst/>
+    <dgm:txLinClrLst/>
+    <dgm:txFillClrLst meth="repeat">
+      <a:schemeClr val="lt1"/>
+    </dgm:txFillClrLst>
+    <dgm:txEffectClrLst/>
+  </dgm:styleLbl>
+  <dgm:styleLbl name="trBgShp">
+    <dgm:fillClrLst meth="repeat">
+      <a:schemeClr val="accent1">
+        <a:tint val="50000"/>
+        <a:alpha val="40000"/>
+      </a:schemeClr>
+    </dgm:fillClrLst>
+    <dgm:linClrLst meth="repeat">
+      <a:schemeClr val="accent1"/>
+    </dgm:linClrLst>
+    <dgm:effectClrLst/>
+    <dgm:txLinClrLst/>
+    <dgm:txFillClrLst meth="repeat">
+      <a:schemeClr val="lt1"/>
+    </dgm:txFillClrLst>
+    <dgm:txEffectClrLst/>
+  </dgm:styleLbl>
+  <dgm:styleLbl name="fgShp">
+    <dgm:fillClrLst meth="repeat">
+      <a:schemeClr val="accent1">
+        <a:tint val="60000"/>
+      </a:schemeClr>
+    </dgm:fillClrLst>
+    <dgm:linClrLst meth="repeat">
+      <a:schemeClr val="lt1"/>
+    </dgm:linClrLst>
+    <dgm:effectClrLst/>
+    <dgm:txLinClrLst/>
+    <dgm:txFillClrLst meth="repeat">
+      <a:schemeClr val="dk1"/>
+    </dgm:txFillClrLst>
+    <dgm:txEffectClrLst/>
+  </dgm:styleLbl>
+  <dgm:styleLbl name="revTx">
+    <dgm:fillClrLst meth="repeat">
+      <a:schemeClr val="lt1">
+        <a:alpha val="0"/>
+      </a:schemeClr>
+    </dgm:fillClrLst>
+    <dgm:linClrLst meth="repeat">
+      <a:schemeClr val="dk1">
+        <a:alpha val="0"/>
+      </a:schemeClr>
+    </dgm:linClrLst>
+    <dgm:effectClrLst/>
+    <dgm:txLinClrLst/>
+    <dgm:txFillClrLst meth="repeat">
+      <a:schemeClr val="tx1"/>
+    </dgm:txFillClrLst>
+    <dgm:txEffectClrLst/>
+  </dgm:styleLbl>
+</dgm:colorsDef>
+</file>
+
 <file path=ppt/diagrams/data1.xml><?xml version="1.0" encoding="utf-8"?>
 <dgm:dataModel xmlns:dgm="http://schemas.openxmlformats.org/drawingml/2006/diagram" xmlns:a="http://schemas.openxmlformats.org/drawingml/2006/main">
   <dgm:ptLst>
@@ -1123,43 +1870,6 @@
       </dgm:t>
     </dgm:pt>
     <dgm:pt modelId="{77470654-0C6A-4EDE-94A0-371E05B09B15}" type="sibTrans" cxnId="{6253C055-F099-47A6-A79E-07EB7D1E5B06}">
-      <dgm:prSet/>
-      <dgm:spPr/>
-      <dgm:t>
-        <a:bodyPr/>
-        <a:lstStyle/>
-        <a:p>
-          <a:endParaRPr lang="en-GB"/>
-        </a:p>
-      </dgm:t>
-    </dgm:pt>
-    <dgm:pt modelId="{C9D123BE-E24C-47C7-85CB-6AA6D2A125DC}">
-      <dgm:prSet phldrT="[Text]"/>
-      <dgm:spPr/>
-      <dgm:t>
-        <a:bodyPr/>
-        <a:lstStyle/>
-        <a:p>
-          <a:r>
-            <a:rPr lang="en-GB" dirty="0" smtClean="0"/>
-            <a:t>Screening based on economic, social and environmental analysis</a:t>
-          </a:r>
-          <a:endParaRPr lang="en-GB" dirty="0"/>
-        </a:p>
-      </dgm:t>
-    </dgm:pt>
-    <dgm:pt modelId="{70054DB8-6E1C-4D0F-A0D5-045D981223CD}" type="parTrans" cxnId="{CA680256-18CD-4D77-9572-48F9C4383C8C}">
-      <dgm:prSet/>
-      <dgm:spPr/>
-      <dgm:t>
-        <a:bodyPr/>
-        <a:lstStyle/>
-        <a:p>
-          <a:endParaRPr lang="en-GB"/>
-        </a:p>
-      </dgm:t>
-    </dgm:pt>
-    <dgm:pt modelId="{3B9A0398-D8E0-41A4-AACE-D7AE7CB3D78B}" type="sibTrans" cxnId="{CA680256-18CD-4D77-9572-48F9C4383C8C}">
       <dgm:prSet/>
       <dgm:spPr/>
       <dgm:t>
@@ -1277,7 +1987,7 @@
       <dgm:spPr/>
     </dgm:pt>
     <dgm:pt modelId="{D7246C59-7D8A-4151-971F-5DAB4743972B}" type="pres">
-      <dgm:prSet presAssocID="{63F41714-2DFB-4469-8636-67773DFE8486}" presName="circle1" presStyleLbl="node1" presStyleIdx="0" presStyleCnt="4"/>
+      <dgm:prSet presAssocID="{63F41714-2DFB-4469-8636-67773DFE8486}" presName="circle1" presStyleLbl="node1" presStyleIdx="0" presStyleCnt="3"/>
       <dgm:spPr/>
       <dgm:t>
         <a:bodyPr/>
@@ -1288,7 +1998,7 @@
       </dgm:t>
     </dgm:pt>
     <dgm:pt modelId="{B3DE94C7-A3D8-447D-A721-69479146E9DE}" type="pres">
-      <dgm:prSet presAssocID="{63F41714-2DFB-4469-8636-67773DFE8486}" presName="c1text" presStyleLbl="node1" presStyleIdx="0" presStyleCnt="4">
+      <dgm:prSet presAssocID="{63F41714-2DFB-4469-8636-67773DFE8486}" presName="c1text" presStyleLbl="node1" presStyleIdx="0" presStyleCnt="3">
         <dgm:presLayoutVars>
           <dgm:bulletEnabled val="1"/>
         </dgm:presLayoutVars>
@@ -1307,7 +2017,7 @@
       <dgm:spPr/>
     </dgm:pt>
     <dgm:pt modelId="{F20DF4A8-2CB6-431A-9E96-E42EAB19D556}" type="pres">
-      <dgm:prSet presAssocID="{63F41714-2DFB-4469-8636-67773DFE8486}" presName="circle2" presStyleLbl="node1" presStyleIdx="1" presStyleCnt="4"/>
+      <dgm:prSet presAssocID="{63F41714-2DFB-4469-8636-67773DFE8486}" presName="circle2" presStyleLbl="node1" presStyleIdx="1" presStyleCnt="3"/>
       <dgm:spPr/>
       <dgm:t>
         <a:bodyPr/>
@@ -1318,7 +2028,7 @@
       </dgm:t>
     </dgm:pt>
     <dgm:pt modelId="{88D3628A-54B7-4D2F-B60B-321FA05E494F}" type="pres">
-      <dgm:prSet presAssocID="{63F41714-2DFB-4469-8636-67773DFE8486}" presName="c2text" presStyleLbl="node1" presStyleIdx="1" presStyleCnt="4">
+      <dgm:prSet presAssocID="{63F41714-2DFB-4469-8636-67773DFE8486}" presName="c2text" presStyleLbl="node1" presStyleIdx="1" presStyleCnt="3">
         <dgm:presLayoutVars>
           <dgm:bulletEnabled val="1"/>
         </dgm:presLayoutVars>
@@ -1337,7 +2047,7 @@
       <dgm:spPr/>
     </dgm:pt>
     <dgm:pt modelId="{CDE2AEAA-5E71-4004-8C1F-52D9C4D86BFE}" type="pres">
-      <dgm:prSet presAssocID="{63F41714-2DFB-4469-8636-67773DFE8486}" presName="circle3" presStyleLbl="node1" presStyleIdx="2" presStyleCnt="4"/>
+      <dgm:prSet presAssocID="{63F41714-2DFB-4469-8636-67773DFE8486}" presName="circle3" presStyleLbl="node1" presStyleIdx="2" presStyleCnt="3"/>
       <dgm:spPr/>
       <dgm:t>
         <a:bodyPr/>
@@ -1348,7 +2058,7 @@
       </dgm:t>
     </dgm:pt>
     <dgm:pt modelId="{3E49D8CD-69A8-430D-9473-C43CDD6556DA}" type="pres">
-      <dgm:prSet presAssocID="{63F41714-2DFB-4469-8636-67773DFE8486}" presName="c3text" presStyleLbl="node1" presStyleIdx="2" presStyleCnt="4">
+      <dgm:prSet presAssocID="{63F41714-2DFB-4469-8636-67773DFE8486}" presName="c3text" presStyleLbl="node1" presStyleIdx="2" presStyleCnt="3">
         <dgm:presLayoutVars>
           <dgm:bulletEnabled val="1"/>
         </dgm:presLayoutVars>
@@ -1362,29 +2072,224 @@
         </a:p>
       </dgm:t>
     </dgm:pt>
-    <dgm:pt modelId="{8B9E6486-2BBA-4847-8325-537B888DF807}" type="pres">
-      <dgm:prSet presAssocID="{63F41714-2DFB-4469-8636-67773DFE8486}" presName="comp4" presStyleCnt="0"/>
+  </dgm:ptLst>
+  <dgm:cxnLst>
+    <dgm:cxn modelId="{78FD700F-0AD6-4CB5-81E6-8BFEE5A46892}" type="presOf" srcId="{114407E9-8FD2-44E3-8725-657A618CB892}" destId="{CDE2AEAA-5E71-4004-8C1F-52D9C4D86BFE}" srcOrd="0" destOrd="0" presId="urn:microsoft.com/office/officeart/2005/8/layout/venn2"/>
+    <dgm:cxn modelId="{E5DE3E4E-210E-46C0-8D6E-1596996D87C4}" type="presOf" srcId="{4F67A1F9-2A02-4801-83F3-383770EF5B0F}" destId="{F20DF4A8-2CB6-431A-9E96-E42EAB19D556}" srcOrd="0" destOrd="0" presId="urn:microsoft.com/office/officeart/2005/8/layout/venn2"/>
+    <dgm:cxn modelId="{44B7A9B2-34FB-442F-A906-C4EFCC9E4AA2}" type="presOf" srcId="{110D4DBF-BFD4-4173-AC78-274392DC38A5}" destId="{B3DE94C7-A3D8-447D-A721-69479146E9DE}" srcOrd="1" destOrd="0" presId="urn:microsoft.com/office/officeart/2005/8/layout/venn2"/>
+    <dgm:cxn modelId="{2CF13889-BB3A-4DC7-BE97-3361D1615815}" type="presOf" srcId="{4F67A1F9-2A02-4801-83F3-383770EF5B0F}" destId="{88D3628A-54B7-4D2F-B60B-321FA05E494F}" srcOrd="1" destOrd="0" presId="urn:microsoft.com/office/officeart/2005/8/layout/venn2"/>
+    <dgm:cxn modelId="{6253C055-F099-47A6-A79E-07EB7D1E5B06}" srcId="{63F41714-2DFB-4469-8636-67773DFE8486}" destId="{110D4DBF-BFD4-4173-AC78-274392DC38A5}" srcOrd="0" destOrd="0" parTransId="{33D26B0D-4C08-4F27-9DF9-43462121981C}" sibTransId="{77470654-0C6A-4EDE-94A0-371E05B09B15}"/>
+    <dgm:cxn modelId="{247DFED1-F99D-4FF6-BCD6-F17E5843AF54}" srcId="{63F41714-2DFB-4469-8636-67773DFE8486}" destId="{114407E9-8FD2-44E3-8725-657A618CB892}" srcOrd="2" destOrd="0" parTransId="{D5566665-ADD3-4D5F-BB65-FB19C7356DBB}" sibTransId="{B571785E-1B01-4730-B980-AE07B00F6F9E}"/>
+    <dgm:cxn modelId="{9F3B46DE-7C78-4FEA-A212-254ECFFDE436}" type="presOf" srcId="{110D4DBF-BFD4-4173-AC78-274392DC38A5}" destId="{D7246C59-7D8A-4151-971F-5DAB4743972B}" srcOrd="0" destOrd="0" presId="urn:microsoft.com/office/officeart/2005/8/layout/venn2"/>
+    <dgm:cxn modelId="{333B4F7A-344B-4092-91F6-688DD8652FB9}" srcId="{63F41714-2DFB-4469-8636-67773DFE8486}" destId="{4F67A1F9-2A02-4801-83F3-383770EF5B0F}" srcOrd="1" destOrd="0" parTransId="{11F76A31-2DD9-48F8-A284-E43F53E677D3}" sibTransId="{D69DE930-A3C3-4353-8BDB-13EE1AD21D3D}"/>
+    <dgm:cxn modelId="{5E3D3E1E-60D4-4399-A020-1FBFB530E94C}" type="presOf" srcId="{63F41714-2DFB-4469-8636-67773DFE8486}" destId="{258E8AB2-C056-42C3-A6D4-158B90DB72A7}" srcOrd="0" destOrd="0" presId="urn:microsoft.com/office/officeart/2005/8/layout/venn2"/>
+    <dgm:cxn modelId="{7F8C442D-D5EE-4C4D-99C8-7AF469CC0B7F}" type="presOf" srcId="{114407E9-8FD2-44E3-8725-657A618CB892}" destId="{3E49D8CD-69A8-430D-9473-C43CDD6556DA}" srcOrd="1" destOrd="0" presId="urn:microsoft.com/office/officeart/2005/8/layout/venn2"/>
+    <dgm:cxn modelId="{9FE1AC33-18B2-4B9A-998F-AE9317C6FF6B}" type="presParOf" srcId="{258E8AB2-C056-42C3-A6D4-158B90DB72A7}" destId="{97468580-391A-46C0-B0CF-DF358DB699B1}" srcOrd="0" destOrd="0" presId="urn:microsoft.com/office/officeart/2005/8/layout/venn2"/>
+    <dgm:cxn modelId="{1ABB05A8-6344-4413-A1A7-510C1E84B917}" type="presParOf" srcId="{97468580-391A-46C0-B0CF-DF358DB699B1}" destId="{D7246C59-7D8A-4151-971F-5DAB4743972B}" srcOrd="0" destOrd="0" presId="urn:microsoft.com/office/officeart/2005/8/layout/venn2"/>
+    <dgm:cxn modelId="{B626AC91-E1CA-43AD-936B-9BA931407EE9}" type="presParOf" srcId="{97468580-391A-46C0-B0CF-DF358DB699B1}" destId="{B3DE94C7-A3D8-447D-A721-69479146E9DE}" srcOrd="1" destOrd="0" presId="urn:microsoft.com/office/officeart/2005/8/layout/venn2"/>
+    <dgm:cxn modelId="{C1C0CAF4-092D-4FD7-8E1E-53079AC36E08}" type="presParOf" srcId="{258E8AB2-C056-42C3-A6D4-158B90DB72A7}" destId="{16ED4ECA-9B57-4BB9-8EAE-62DE69CBFFBF}" srcOrd="1" destOrd="0" presId="urn:microsoft.com/office/officeart/2005/8/layout/venn2"/>
+    <dgm:cxn modelId="{5F2C3C44-FF8A-4354-A0C7-2DF861694AD2}" type="presParOf" srcId="{16ED4ECA-9B57-4BB9-8EAE-62DE69CBFFBF}" destId="{F20DF4A8-2CB6-431A-9E96-E42EAB19D556}" srcOrd="0" destOrd="0" presId="urn:microsoft.com/office/officeart/2005/8/layout/venn2"/>
+    <dgm:cxn modelId="{10824D62-A775-482D-8B8E-387C044D94D8}" type="presParOf" srcId="{16ED4ECA-9B57-4BB9-8EAE-62DE69CBFFBF}" destId="{88D3628A-54B7-4D2F-B60B-321FA05E494F}" srcOrd="1" destOrd="0" presId="urn:microsoft.com/office/officeart/2005/8/layout/venn2"/>
+    <dgm:cxn modelId="{09CC4517-9EC1-4D11-8B06-C8DEF1B1BB7B}" type="presParOf" srcId="{258E8AB2-C056-42C3-A6D4-158B90DB72A7}" destId="{36EEA8EA-33C1-4224-8CE0-4AFB6FE4FDFD}" srcOrd="2" destOrd="0" presId="urn:microsoft.com/office/officeart/2005/8/layout/venn2"/>
+    <dgm:cxn modelId="{29D1EBC4-B33C-4860-A741-91467242FE05}" type="presParOf" srcId="{36EEA8EA-33C1-4224-8CE0-4AFB6FE4FDFD}" destId="{CDE2AEAA-5E71-4004-8C1F-52D9C4D86BFE}" srcOrd="0" destOrd="0" presId="urn:microsoft.com/office/officeart/2005/8/layout/venn2"/>
+    <dgm:cxn modelId="{A8EB115C-9388-4073-BC7F-127C875ADE54}" type="presParOf" srcId="{36EEA8EA-33C1-4224-8CE0-4AFB6FE4FDFD}" destId="{3E49D8CD-69A8-430D-9473-C43CDD6556DA}" srcOrd="1" destOrd="0" presId="urn:microsoft.com/office/officeart/2005/8/layout/venn2"/>
+  </dgm:cxnLst>
+  <dgm:bg/>
+  <dgm:whole/>
+  <dgm:extLst>
+    <a:ext uri="http://schemas.microsoft.com/office/drawing/2008/diagram">
+      <dsp:dataModelExt xmlns:dsp="http://schemas.microsoft.com/office/drawing/2008/diagram" relId="rId6" minVer="http://schemas.openxmlformats.org/drawingml/2006/diagram"/>
+    </a:ext>
+  </dgm:extLst>
+</dgm:dataModel>
+</file>
+
+<file path=ppt/diagrams/data2.xml><?xml version="1.0" encoding="utf-8"?>
+<dgm:dataModel xmlns:dgm="http://schemas.openxmlformats.org/drawingml/2006/diagram" xmlns:a="http://schemas.openxmlformats.org/drawingml/2006/main">
+  <dgm:ptLst>
+    <dgm:pt modelId="{486C03E8-A3D6-4B94-AC45-7AD725C3EB9F}" type="doc">
+      <dgm:prSet loTypeId="urn:microsoft.com/office/officeart/2005/8/layout/hProcess9" loCatId="process" qsTypeId="urn:microsoft.com/office/officeart/2005/8/quickstyle/simple1" qsCatId="simple" csTypeId="urn:microsoft.com/office/officeart/2005/8/colors/accent1_2" csCatId="accent1" phldr="1"/>
       <dgm:spPr/>
     </dgm:pt>
-    <dgm:pt modelId="{BD0FDC59-C84F-4F63-9787-2A13ED122D3A}" type="pres">
-      <dgm:prSet presAssocID="{63F41714-2DFB-4469-8636-67773DFE8486}" presName="circle4" presStyleLbl="node1" presStyleIdx="3" presStyleCnt="4"/>
-      <dgm:spPr>
-        <a:solidFill>
-          <a:schemeClr val="accent1">
-            <a:lumMod val="50000"/>
-          </a:schemeClr>
-        </a:solidFill>
-      </dgm:spPr>
+    <dgm:pt modelId="{4EF907C4-A796-43ED-8E47-2BE43F5B7E28}">
+      <dgm:prSet phldrT="[Text]"/>
+      <dgm:spPr/>
       <dgm:t>
         <a:bodyPr/>
         <a:lstStyle/>
         <a:p>
-          <a:endParaRPr lang="en-GB"/>
+          <a:r>
+            <a:rPr lang="nl-BE" dirty="0" smtClean="0"/>
+            <a:t>Ch. 1: Portfolio weights and returns</a:t>
+          </a:r>
+          <a:endParaRPr lang="nl-BE" dirty="0"/>
         </a:p>
       </dgm:t>
     </dgm:pt>
-    <dgm:pt modelId="{E2769E64-C68E-4B8D-A269-7B4DD3D7A995}" type="pres">
-      <dgm:prSet presAssocID="{63F41714-2DFB-4469-8636-67773DFE8486}" presName="c4text" presStyleLbl="node1" presStyleIdx="3" presStyleCnt="4">
+    <dgm:pt modelId="{01EF2F6F-805B-4335-82F8-30AE7D1A8E22}" type="parTrans" cxnId="{E6AA8756-19CD-46E1-B177-AF5A1A211898}">
+      <dgm:prSet/>
+      <dgm:spPr/>
+      <dgm:t>
+        <a:bodyPr/>
+        <a:lstStyle/>
+        <a:p>
+          <a:endParaRPr lang="nl-BE"/>
+        </a:p>
+      </dgm:t>
+    </dgm:pt>
+    <dgm:pt modelId="{4D8421E5-02AF-4618-8B68-52EABA3EA650}" type="sibTrans" cxnId="{E6AA8756-19CD-46E1-B177-AF5A1A211898}">
+      <dgm:prSet/>
+      <dgm:spPr/>
+      <dgm:t>
+        <a:bodyPr/>
+        <a:lstStyle/>
+        <a:p>
+          <a:endParaRPr lang="nl-BE"/>
+        </a:p>
+      </dgm:t>
+    </dgm:pt>
+    <dgm:pt modelId="{E99E27EB-3E8B-4FC6-91EE-175F47A230DE}">
+      <dgm:prSet phldrT="[Text]"/>
+      <dgm:spPr/>
+      <dgm:t>
+        <a:bodyPr/>
+        <a:lstStyle/>
+        <a:p>
+          <a:r>
+            <a:rPr lang="nl-BE" dirty="0" smtClean="0"/>
+            <a:t>Ch. 2:</a:t>
+          </a:r>
+        </a:p>
+        <a:p>
+          <a:r>
+            <a:rPr lang="nl-BE" dirty="0" smtClean="0"/>
+            <a:t>Portfolio performance evaluation</a:t>
+          </a:r>
+          <a:endParaRPr lang="nl-BE" dirty="0"/>
+        </a:p>
+      </dgm:t>
+    </dgm:pt>
+    <dgm:pt modelId="{4920E662-FD95-46F7-A475-E8F23C82F1CD}" type="parTrans" cxnId="{A05C8EFA-7B2D-4EAD-B81B-FAC3178ED685}">
+      <dgm:prSet/>
+      <dgm:spPr/>
+      <dgm:t>
+        <a:bodyPr/>
+        <a:lstStyle/>
+        <a:p>
+          <a:endParaRPr lang="nl-BE"/>
+        </a:p>
+      </dgm:t>
+    </dgm:pt>
+    <dgm:pt modelId="{AB1DA40A-7F12-43EE-930E-FC2149994D97}" type="sibTrans" cxnId="{A05C8EFA-7B2D-4EAD-B81B-FAC3178ED685}">
+      <dgm:prSet/>
+      <dgm:spPr/>
+      <dgm:t>
+        <a:bodyPr/>
+        <a:lstStyle/>
+        <a:p>
+          <a:endParaRPr lang="nl-BE"/>
+        </a:p>
+      </dgm:t>
+    </dgm:pt>
+    <dgm:pt modelId="{DF0676FC-F73A-4E40-A864-F72C4740D021}">
+      <dgm:prSet phldrT="[Text]"/>
+      <dgm:spPr/>
+      <dgm:t>
+        <a:bodyPr/>
+        <a:lstStyle/>
+        <a:p>
+          <a:r>
+            <a:rPr lang="nl-BE" dirty="0" smtClean="0"/>
+            <a:t>Ch. 3:</a:t>
+          </a:r>
+        </a:p>
+        <a:p>
+          <a:r>
+            <a:rPr lang="nl-BE" dirty="0" smtClean="0"/>
+            <a:t>Drivers of performance</a:t>
+          </a:r>
+          <a:endParaRPr lang="nl-BE" dirty="0"/>
+        </a:p>
+      </dgm:t>
+    </dgm:pt>
+    <dgm:pt modelId="{93F6CEEF-DFAD-42CE-9941-6D1C9D3F73F7}" type="parTrans" cxnId="{37968703-2FA0-4E5D-A961-5BEB7BAA12DB}">
+      <dgm:prSet/>
+      <dgm:spPr/>
+      <dgm:t>
+        <a:bodyPr/>
+        <a:lstStyle/>
+        <a:p>
+          <a:endParaRPr lang="nl-BE"/>
+        </a:p>
+      </dgm:t>
+    </dgm:pt>
+    <dgm:pt modelId="{516480F4-5DEB-4A6B-89ED-86969818D9A6}" type="sibTrans" cxnId="{37968703-2FA0-4E5D-A961-5BEB7BAA12DB}">
+      <dgm:prSet/>
+      <dgm:spPr/>
+      <dgm:t>
+        <a:bodyPr/>
+        <a:lstStyle/>
+        <a:p>
+          <a:endParaRPr lang="nl-BE"/>
+        </a:p>
+      </dgm:t>
+    </dgm:pt>
+    <dgm:pt modelId="{F6629FA7-DB18-455A-B2BF-19773923F705}">
+      <dgm:prSet phldrT="[Text]"/>
+      <dgm:spPr/>
+      <dgm:t>
+        <a:bodyPr/>
+        <a:lstStyle/>
+        <a:p>
+          <a:r>
+            <a:rPr lang="nl-BE" dirty="0" smtClean="0"/>
+            <a:t>Ch. 4: Portfolio optimization</a:t>
+          </a:r>
+          <a:endParaRPr lang="nl-BE" dirty="0"/>
+        </a:p>
+      </dgm:t>
+    </dgm:pt>
+    <dgm:pt modelId="{F5D33DE4-451D-40DE-BA1A-A9DAB4E1A229}" type="parTrans" cxnId="{C2BFE305-C199-4C11-906C-B4B0103DC395}">
+      <dgm:prSet/>
+      <dgm:spPr/>
+      <dgm:t>
+        <a:bodyPr/>
+        <a:lstStyle/>
+        <a:p>
+          <a:endParaRPr lang="nl-BE"/>
+        </a:p>
+      </dgm:t>
+    </dgm:pt>
+    <dgm:pt modelId="{03DB6993-9FD6-4AA6-ABD1-04F9B5E7B874}" type="sibTrans" cxnId="{C2BFE305-C199-4C11-906C-B4B0103DC395}">
+      <dgm:prSet/>
+      <dgm:spPr/>
+      <dgm:t>
+        <a:bodyPr/>
+        <a:lstStyle/>
+        <a:p>
+          <a:endParaRPr lang="nl-BE"/>
+        </a:p>
+      </dgm:t>
+    </dgm:pt>
+    <dgm:pt modelId="{32AD6C6C-25BA-48B8-B9A7-EDE43B3E68C7}" type="pres">
+      <dgm:prSet presAssocID="{486C03E8-A3D6-4B94-AC45-7AD725C3EB9F}" presName="CompostProcess" presStyleCnt="0">
+        <dgm:presLayoutVars>
+          <dgm:dir/>
+          <dgm:resizeHandles val="exact"/>
+        </dgm:presLayoutVars>
+      </dgm:prSet>
+      <dgm:spPr/>
+    </dgm:pt>
+    <dgm:pt modelId="{9C52FD0B-4AC5-40EE-9153-C7724E761D18}" type="pres">
+      <dgm:prSet presAssocID="{486C03E8-A3D6-4B94-AC45-7AD725C3EB9F}" presName="arrow" presStyleLbl="bgShp" presStyleIdx="0" presStyleCnt="1" custLinFactNeighborX="-21895" custLinFactNeighborY="-3220"/>
+      <dgm:spPr/>
+    </dgm:pt>
+    <dgm:pt modelId="{86046D01-F61E-4AAD-9D10-0CCA6958CB9D}" type="pres">
+      <dgm:prSet presAssocID="{486C03E8-A3D6-4B94-AC45-7AD725C3EB9F}" presName="linearProcess" presStyleCnt="0"/>
+      <dgm:spPr/>
+    </dgm:pt>
+    <dgm:pt modelId="{7812C6CE-0A1D-43CA-9003-DFA342E3303F}" type="pres">
+      <dgm:prSet presAssocID="{4EF907C4-A796-43ED-8E47-2BE43F5B7E28}" presName="textNode" presStyleLbl="node1" presStyleIdx="0" presStyleCnt="4">
         <dgm:presLayoutVars>
           <dgm:bulletEnabled val="1"/>
         </dgm:presLayoutVars>
@@ -1394,37 +2299,87 @@
         <a:bodyPr/>
         <a:lstStyle/>
         <a:p>
-          <a:endParaRPr lang="en-GB"/>
+          <a:endParaRPr lang="nl-BE"/>
+        </a:p>
+      </dgm:t>
+    </dgm:pt>
+    <dgm:pt modelId="{D60BBF36-DD23-4A1A-85A9-42C2D1962776}" type="pres">
+      <dgm:prSet presAssocID="{4D8421E5-02AF-4618-8B68-52EABA3EA650}" presName="sibTrans" presStyleCnt="0"/>
+      <dgm:spPr/>
+    </dgm:pt>
+    <dgm:pt modelId="{D72C31C5-05DC-42F4-A84D-1CF0A597483E}" type="pres">
+      <dgm:prSet presAssocID="{E99E27EB-3E8B-4FC6-91EE-175F47A230DE}" presName="textNode" presStyleLbl="node1" presStyleIdx="1" presStyleCnt="4">
+        <dgm:presLayoutVars>
+          <dgm:bulletEnabled val="1"/>
+        </dgm:presLayoutVars>
+      </dgm:prSet>
+      <dgm:spPr/>
+      <dgm:t>
+        <a:bodyPr/>
+        <a:lstStyle/>
+        <a:p>
+          <a:endParaRPr lang="nl-BE"/>
+        </a:p>
+      </dgm:t>
+    </dgm:pt>
+    <dgm:pt modelId="{36274544-7555-4C3D-A564-A603CB461D7E}" type="pres">
+      <dgm:prSet presAssocID="{AB1DA40A-7F12-43EE-930E-FC2149994D97}" presName="sibTrans" presStyleCnt="0"/>
+      <dgm:spPr/>
+    </dgm:pt>
+    <dgm:pt modelId="{1C0D8A43-3D82-4BB6-A8F9-3B1F0874F074}" type="pres">
+      <dgm:prSet presAssocID="{DF0676FC-F73A-4E40-A864-F72C4740D021}" presName="textNode" presStyleLbl="node1" presStyleIdx="2" presStyleCnt="4">
+        <dgm:presLayoutVars>
+          <dgm:bulletEnabled val="1"/>
+        </dgm:presLayoutVars>
+      </dgm:prSet>
+      <dgm:spPr/>
+      <dgm:t>
+        <a:bodyPr/>
+        <a:lstStyle/>
+        <a:p>
+          <a:endParaRPr lang="nl-BE"/>
+        </a:p>
+      </dgm:t>
+    </dgm:pt>
+    <dgm:pt modelId="{09B6CAE9-65D8-4A15-B183-E11E0D68E1F9}" type="pres">
+      <dgm:prSet presAssocID="{516480F4-5DEB-4A6B-89ED-86969818D9A6}" presName="sibTrans" presStyleCnt="0"/>
+      <dgm:spPr/>
+    </dgm:pt>
+    <dgm:pt modelId="{B265EE27-C977-4DEC-B2B9-32ACBDD430E7}" type="pres">
+      <dgm:prSet presAssocID="{F6629FA7-DB18-455A-B2BF-19773923F705}" presName="textNode" presStyleLbl="node1" presStyleIdx="3" presStyleCnt="4" custScaleX="98949">
+        <dgm:presLayoutVars>
+          <dgm:bulletEnabled val="1"/>
+        </dgm:presLayoutVars>
+      </dgm:prSet>
+      <dgm:spPr/>
+      <dgm:t>
+        <a:bodyPr/>
+        <a:lstStyle/>
+        <a:p>
+          <a:endParaRPr lang="nl-BE"/>
         </a:p>
       </dgm:t>
     </dgm:pt>
   </dgm:ptLst>
   <dgm:cxnLst>
-    <dgm:cxn modelId="{CA680256-18CD-4D77-9572-48F9C4383C8C}" srcId="{63F41714-2DFB-4469-8636-67773DFE8486}" destId="{C9D123BE-E24C-47C7-85CB-6AA6D2A125DC}" srcOrd="1" destOrd="0" parTransId="{70054DB8-6E1C-4D0F-A0D5-045D981223CD}" sibTransId="{3B9A0398-D8E0-41A4-AACE-D7AE7CB3D78B}"/>
-    <dgm:cxn modelId="{5E3D3E1E-60D4-4399-A020-1FBFB530E94C}" type="presOf" srcId="{63F41714-2DFB-4469-8636-67773DFE8486}" destId="{258E8AB2-C056-42C3-A6D4-158B90DB72A7}" srcOrd="0" destOrd="0" presId="urn:microsoft.com/office/officeart/2005/8/layout/venn2"/>
-    <dgm:cxn modelId="{E6620AB8-AF8D-452E-BA01-D094D3BF6C49}" type="presOf" srcId="{4F67A1F9-2A02-4801-83F3-383770EF5B0F}" destId="{CDE2AEAA-5E71-4004-8C1F-52D9C4D86BFE}" srcOrd="0" destOrd="0" presId="urn:microsoft.com/office/officeart/2005/8/layout/venn2"/>
-    <dgm:cxn modelId="{333B4F7A-344B-4092-91F6-688DD8652FB9}" srcId="{63F41714-2DFB-4469-8636-67773DFE8486}" destId="{4F67A1F9-2A02-4801-83F3-383770EF5B0F}" srcOrd="2" destOrd="0" parTransId="{11F76A31-2DD9-48F8-A284-E43F53E677D3}" sibTransId="{D69DE930-A3C3-4353-8BDB-13EE1AD21D3D}"/>
-    <dgm:cxn modelId="{CBB8BFF8-7435-4985-8988-70F9EC6B5ADB}" type="presOf" srcId="{114407E9-8FD2-44E3-8725-657A618CB892}" destId="{E2769E64-C68E-4B8D-A269-7B4DD3D7A995}" srcOrd="1" destOrd="0" presId="urn:microsoft.com/office/officeart/2005/8/layout/venn2"/>
-    <dgm:cxn modelId="{6253C055-F099-47A6-A79E-07EB7D1E5B06}" srcId="{63F41714-2DFB-4469-8636-67773DFE8486}" destId="{110D4DBF-BFD4-4173-AC78-274392DC38A5}" srcOrd="0" destOrd="0" parTransId="{33D26B0D-4C08-4F27-9DF9-43462121981C}" sibTransId="{77470654-0C6A-4EDE-94A0-371E05B09B15}"/>
-    <dgm:cxn modelId="{AB6C1BF3-6E2B-4D36-A033-50FEAB35CB9D}" type="presOf" srcId="{4F67A1F9-2A02-4801-83F3-383770EF5B0F}" destId="{3E49D8CD-69A8-430D-9473-C43CDD6556DA}" srcOrd="1" destOrd="0" presId="urn:microsoft.com/office/officeart/2005/8/layout/venn2"/>
-    <dgm:cxn modelId="{44B7A9B2-34FB-442F-A906-C4EFCC9E4AA2}" type="presOf" srcId="{110D4DBF-BFD4-4173-AC78-274392DC38A5}" destId="{B3DE94C7-A3D8-447D-A721-69479146E9DE}" srcOrd="1" destOrd="0" presId="urn:microsoft.com/office/officeart/2005/8/layout/venn2"/>
-    <dgm:cxn modelId="{113A9846-F13E-4F74-86E5-66E4A9E83199}" type="presOf" srcId="{C9D123BE-E24C-47C7-85CB-6AA6D2A125DC}" destId="{F20DF4A8-2CB6-431A-9E96-E42EAB19D556}" srcOrd="0" destOrd="0" presId="urn:microsoft.com/office/officeart/2005/8/layout/venn2"/>
-    <dgm:cxn modelId="{9F3B46DE-7C78-4FEA-A212-254ECFFDE436}" type="presOf" srcId="{110D4DBF-BFD4-4173-AC78-274392DC38A5}" destId="{D7246C59-7D8A-4151-971F-5DAB4743972B}" srcOrd="0" destOrd="0" presId="urn:microsoft.com/office/officeart/2005/8/layout/venn2"/>
-    <dgm:cxn modelId="{3BC2875A-E20F-4A2B-B986-DCEC1425987A}" type="presOf" srcId="{114407E9-8FD2-44E3-8725-657A618CB892}" destId="{BD0FDC59-C84F-4F63-9787-2A13ED122D3A}" srcOrd="0" destOrd="0" presId="urn:microsoft.com/office/officeart/2005/8/layout/venn2"/>
-    <dgm:cxn modelId="{247DFED1-F99D-4FF6-BCD6-F17E5843AF54}" srcId="{63F41714-2DFB-4469-8636-67773DFE8486}" destId="{114407E9-8FD2-44E3-8725-657A618CB892}" srcOrd="3" destOrd="0" parTransId="{D5566665-ADD3-4D5F-BB65-FB19C7356DBB}" sibTransId="{B571785E-1B01-4730-B980-AE07B00F6F9E}"/>
-    <dgm:cxn modelId="{7E01CAF6-4216-410C-A70A-5BC68A6F1A5F}" type="presOf" srcId="{C9D123BE-E24C-47C7-85CB-6AA6D2A125DC}" destId="{88D3628A-54B7-4D2F-B60B-321FA05E494F}" srcOrd="1" destOrd="0" presId="urn:microsoft.com/office/officeart/2005/8/layout/venn2"/>
-    <dgm:cxn modelId="{9FE1AC33-18B2-4B9A-998F-AE9317C6FF6B}" type="presParOf" srcId="{258E8AB2-C056-42C3-A6D4-158B90DB72A7}" destId="{97468580-391A-46C0-B0CF-DF358DB699B1}" srcOrd="0" destOrd="0" presId="urn:microsoft.com/office/officeart/2005/8/layout/venn2"/>
-    <dgm:cxn modelId="{1ABB05A8-6344-4413-A1A7-510C1E84B917}" type="presParOf" srcId="{97468580-391A-46C0-B0CF-DF358DB699B1}" destId="{D7246C59-7D8A-4151-971F-5DAB4743972B}" srcOrd="0" destOrd="0" presId="urn:microsoft.com/office/officeart/2005/8/layout/venn2"/>
-    <dgm:cxn modelId="{B626AC91-E1CA-43AD-936B-9BA931407EE9}" type="presParOf" srcId="{97468580-391A-46C0-B0CF-DF358DB699B1}" destId="{B3DE94C7-A3D8-447D-A721-69479146E9DE}" srcOrd="1" destOrd="0" presId="urn:microsoft.com/office/officeart/2005/8/layout/venn2"/>
-    <dgm:cxn modelId="{C1C0CAF4-092D-4FD7-8E1E-53079AC36E08}" type="presParOf" srcId="{258E8AB2-C056-42C3-A6D4-158B90DB72A7}" destId="{16ED4ECA-9B57-4BB9-8EAE-62DE69CBFFBF}" srcOrd="1" destOrd="0" presId="urn:microsoft.com/office/officeart/2005/8/layout/venn2"/>
-    <dgm:cxn modelId="{5F2C3C44-FF8A-4354-A0C7-2DF861694AD2}" type="presParOf" srcId="{16ED4ECA-9B57-4BB9-8EAE-62DE69CBFFBF}" destId="{F20DF4A8-2CB6-431A-9E96-E42EAB19D556}" srcOrd="0" destOrd="0" presId="urn:microsoft.com/office/officeart/2005/8/layout/venn2"/>
-    <dgm:cxn modelId="{10824D62-A775-482D-8B8E-387C044D94D8}" type="presParOf" srcId="{16ED4ECA-9B57-4BB9-8EAE-62DE69CBFFBF}" destId="{88D3628A-54B7-4D2F-B60B-321FA05E494F}" srcOrd="1" destOrd="0" presId="urn:microsoft.com/office/officeart/2005/8/layout/venn2"/>
-    <dgm:cxn modelId="{09CC4517-9EC1-4D11-8B06-C8DEF1B1BB7B}" type="presParOf" srcId="{258E8AB2-C056-42C3-A6D4-158B90DB72A7}" destId="{36EEA8EA-33C1-4224-8CE0-4AFB6FE4FDFD}" srcOrd="2" destOrd="0" presId="urn:microsoft.com/office/officeart/2005/8/layout/venn2"/>
-    <dgm:cxn modelId="{29D1EBC4-B33C-4860-A741-91467242FE05}" type="presParOf" srcId="{36EEA8EA-33C1-4224-8CE0-4AFB6FE4FDFD}" destId="{CDE2AEAA-5E71-4004-8C1F-52D9C4D86BFE}" srcOrd="0" destOrd="0" presId="urn:microsoft.com/office/officeart/2005/8/layout/venn2"/>
-    <dgm:cxn modelId="{A8EB115C-9388-4073-BC7F-127C875ADE54}" type="presParOf" srcId="{36EEA8EA-33C1-4224-8CE0-4AFB6FE4FDFD}" destId="{3E49D8CD-69A8-430D-9473-C43CDD6556DA}" srcOrd="1" destOrd="0" presId="urn:microsoft.com/office/officeart/2005/8/layout/venn2"/>
-    <dgm:cxn modelId="{FF54E988-8CC1-489E-A794-C4663D9D91F7}" type="presParOf" srcId="{258E8AB2-C056-42C3-A6D4-158B90DB72A7}" destId="{8B9E6486-2BBA-4847-8325-537B888DF807}" srcOrd="3" destOrd="0" presId="urn:microsoft.com/office/officeart/2005/8/layout/venn2"/>
-    <dgm:cxn modelId="{18B5EC79-B4BB-43B4-A87F-F87EC631338F}" type="presParOf" srcId="{8B9E6486-2BBA-4847-8325-537B888DF807}" destId="{BD0FDC59-C84F-4F63-9787-2A13ED122D3A}" srcOrd="0" destOrd="0" presId="urn:microsoft.com/office/officeart/2005/8/layout/venn2"/>
-    <dgm:cxn modelId="{468404DD-16E6-4D11-8B5F-4B80BEC66194}" type="presParOf" srcId="{8B9E6486-2BBA-4847-8325-537B888DF807}" destId="{E2769E64-C68E-4B8D-A269-7B4DD3D7A995}" srcOrd="1" destOrd="0" presId="urn:microsoft.com/office/officeart/2005/8/layout/venn2"/>
+    <dgm:cxn modelId="{A05C8EFA-7B2D-4EAD-B81B-FAC3178ED685}" srcId="{486C03E8-A3D6-4B94-AC45-7AD725C3EB9F}" destId="{E99E27EB-3E8B-4FC6-91EE-175F47A230DE}" srcOrd="1" destOrd="0" parTransId="{4920E662-FD95-46F7-A475-E8F23C82F1CD}" sibTransId="{AB1DA40A-7F12-43EE-930E-FC2149994D97}"/>
+    <dgm:cxn modelId="{C2BFE305-C199-4C11-906C-B4B0103DC395}" srcId="{486C03E8-A3D6-4B94-AC45-7AD725C3EB9F}" destId="{F6629FA7-DB18-455A-B2BF-19773923F705}" srcOrd="3" destOrd="0" parTransId="{F5D33DE4-451D-40DE-BA1A-A9DAB4E1A229}" sibTransId="{03DB6993-9FD6-4AA6-ABD1-04F9B5E7B874}"/>
+    <dgm:cxn modelId="{9F00C9B3-8348-4A57-893D-8F65756ECCED}" type="presOf" srcId="{F6629FA7-DB18-455A-B2BF-19773923F705}" destId="{B265EE27-C977-4DEC-B2B9-32ACBDD430E7}" srcOrd="0" destOrd="0" presId="urn:microsoft.com/office/officeart/2005/8/layout/hProcess9"/>
+    <dgm:cxn modelId="{7A4D470C-9276-48D9-996A-73BCC3C33A56}" type="presOf" srcId="{DF0676FC-F73A-4E40-A864-F72C4740D021}" destId="{1C0D8A43-3D82-4BB6-A8F9-3B1F0874F074}" srcOrd="0" destOrd="0" presId="urn:microsoft.com/office/officeart/2005/8/layout/hProcess9"/>
+    <dgm:cxn modelId="{37968703-2FA0-4E5D-A961-5BEB7BAA12DB}" srcId="{486C03E8-A3D6-4B94-AC45-7AD725C3EB9F}" destId="{DF0676FC-F73A-4E40-A864-F72C4740D021}" srcOrd="2" destOrd="0" parTransId="{93F6CEEF-DFAD-42CE-9941-6D1C9D3F73F7}" sibTransId="{516480F4-5DEB-4A6B-89ED-86969818D9A6}"/>
+    <dgm:cxn modelId="{493A4D67-EB00-4C1C-A4DD-EF42C8917E52}" type="presOf" srcId="{E99E27EB-3E8B-4FC6-91EE-175F47A230DE}" destId="{D72C31C5-05DC-42F4-A84D-1CF0A597483E}" srcOrd="0" destOrd="0" presId="urn:microsoft.com/office/officeart/2005/8/layout/hProcess9"/>
+    <dgm:cxn modelId="{E6AA8756-19CD-46E1-B177-AF5A1A211898}" srcId="{486C03E8-A3D6-4B94-AC45-7AD725C3EB9F}" destId="{4EF907C4-A796-43ED-8E47-2BE43F5B7E28}" srcOrd="0" destOrd="0" parTransId="{01EF2F6F-805B-4335-82F8-30AE7D1A8E22}" sibTransId="{4D8421E5-02AF-4618-8B68-52EABA3EA650}"/>
+    <dgm:cxn modelId="{87CFB3D6-C8F7-4423-B2AB-C3AEE3FB6CD2}" type="presOf" srcId="{486C03E8-A3D6-4B94-AC45-7AD725C3EB9F}" destId="{32AD6C6C-25BA-48B8-B9A7-EDE43B3E68C7}" srcOrd="0" destOrd="0" presId="urn:microsoft.com/office/officeart/2005/8/layout/hProcess9"/>
+    <dgm:cxn modelId="{68E2BEDB-607B-44DD-B798-3909D3ACFB72}" type="presOf" srcId="{4EF907C4-A796-43ED-8E47-2BE43F5B7E28}" destId="{7812C6CE-0A1D-43CA-9003-DFA342E3303F}" srcOrd="0" destOrd="0" presId="urn:microsoft.com/office/officeart/2005/8/layout/hProcess9"/>
+    <dgm:cxn modelId="{57510E13-F779-4738-8557-A332A21951E9}" type="presParOf" srcId="{32AD6C6C-25BA-48B8-B9A7-EDE43B3E68C7}" destId="{9C52FD0B-4AC5-40EE-9153-C7724E761D18}" srcOrd="0" destOrd="0" presId="urn:microsoft.com/office/officeart/2005/8/layout/hProcess9"/>
+    <dgm:cxn modelId="{E95B8064-8051-452E-BED6-B78192EC26F3}" type="presParOf" srcId="{32AD6C6C-25BA-48B8-B9A7-EDE43B3E68C7}" destId="{86046D01-F61E-4AAD-9D10-0CCA6958CB9D}" srcOrd="1" destOrd="0" presId="urn:microsoft.com/office/officeart/2005/8/layout/hProcess9"/>
+    <dgm:cxn modelId="{B6837E3A-21BD-4A14-929D-B54C36481B73}" type="presParOf" srcId="{86046D01-F61E-4AAD-9D10-0CCA6958CB9D}" destId="{7812C6CE-0A1D-43CA-9003-DFA342E3303F}" srcOrd="0" destOrd="0" presId="urn:microsoft.com/office/officeart/2005/8/layout/hProcess9"/>
+    <dgm:cxn modelId="{EBC25696-DE3A-472A-B637-26B36139B0A6}" type="presParOf" srcId="{86046D01-F61E-4AAD-9D10-0CCA6958CB9D}" destId="{D60BBF36-DD23-4A1A-85A9-42C2D1962776}" srcOrd="1" destOrd="0" presId="urn:microsoft.com/office/officeart/2005/8/layout/hProcess9"/>
+    <dgm:cxn modelId="{F57A8103-03BB-433B-9BA3-332F82CF4500}" type="presParOf" srcId="{86046D01-F61E-4AAD-9D10-0CCA6958CB9D}" destId="{D72C31C5-05DC-42F4-A84D-1CF0A597483E}" srcOrd="2" destOrd="0" presId="urn:microsoft.com/office/officeart/2005/8/layout/hProcess9"/>
+    <dgm:cxn modelId="{9A333DE5-7AC5-44A8-9567-1D0E05256D07}" type="presParOf" srcId="{86046D01-F61E-4AAD-9D10-0CCA6958CB9D}" destId="{36274544-7555-4C3D-A564-A603CB461D7E}" srcOrd="3" destOrd="0" presId="urn:microsoft.com/office/officeart/2005/8/layout/hProcess9"/>
+    <dgm:cxn modelId="{B395C177-12EA-4235-B434-FAF7F39D9350}" type="presParOf" srcId="{86046D01-F61E-4AAD-9D10-0CCA6958CB9D}" destId="{1C0D8A43-3D82-4BB6-A8F9-3B1F0874F074}" srcOrd="4" destOrd="0" presId="urn:microsoft.com/office/officeart/2005/8/layout/hProcess9"/>
+    <dgm:cxn modelId="{FEEC5F03-BA85-408D-AC92-20E58743B0C8}" type="presParOf" srcId="{86046D01-F61E-4AAD-9D10-0CCA6958CB9D}" destId="{09B6CAE9-65D8-4A15-B183-E11E0D68E1F9}" srcOrd="5" destOrd="0" presId="urn:microsoft.com/office/officeart/2005/8/layout/hProcess9"/>
+    <dgm:cxn modelId="{9C9BE255-77AC-4E93-876E-AF00E1C2E903}" type="presParOf" srcId="{86046D01-F61E-4AAD-9D10-0CCA6958CB9D}" destId="{B265EE27-C977-4DEC-B2B9-32ACBDD430E7}" srcOrd="6" destOrd="0" presId="urn:microsoft.com/office/officeart/2005/8/layout/hProcess9"/>
   </dgm:cxnLst>
   <dgm:bg/>
   <dgm:whole/>
@@ -1491,12 +2446,12 @@
         </a:fontRef>
       </dsp:style>
       <dsp:txBody>
-        <a:bodyPr spcFirstLastPara="0" vert="horz" wrap="square" lIns="92456" tIns="92456" rIns="92456" bIns="92456" numCol="1" spcCol="1270" anchor="ctr" anchorCtr="0">
+        <a:bodyPr spcFirstLastPara="0" vert="horz" wrap="square" lIns="120904" tIns="120904" rIns="120904" bIns="120904" numCol="1" spcCol="1270" anchor="ctr" anchorCtr="0">
           <a:noAutofit/>
         </a:bodyPr>
         <a:lstStyle/>
         <a:p>
-          <a:pPr lvl="0" algn="ctr" defTabSz="577850">
+          <a:pPr lvl="0" algn="ctr" defTabSz="755650">
             <a:lnSpc>
               <a:spcPct val="90000"/>
             </a:lnSpc>
@@ -1508,14 +2463,14 @@
             </a:spcAft>
           </a:pPr>
           <a:r>
-            <a:rPr lang="en-GB" sz="1300" kern="1200" dirty="0" smtClean="0">
+            <a:rPr lang="en-GB" sz="1700" kern="1200" dirty="0" smtClean="0">
               <a:solidFill>
                 <a:schemeClr val="tx2"/>
               </a:solidFill>
             </a:rPr>
             <a:t>Screening based on liquidity  analysis</a:t>
           </a:r>
-          <a:endParaRPr lang="en-GB" sz="1300" kern="1200" dirty="0">
+          <a:endParaRPr lang="en-GB" sz="1700" kern="1200" dirty="0">
             <a:solidFill>
               <a:schemeClr val="tx2"/>
             </a:solidFill>
@@ -1523,8 +2478,8 @@
         </a:p>
       </dsp:txBody>
       <dsp:txXfrm>
-        <a:off x="3214160" y="335743"/>
-        <a:ext cx="1877479" cy="1007231"/>
+        <a:off x="2979475" y="335743"/>
+        <a:ext cx="2346849" cy="1007231"/>
       </dsp:txXfrm>
     </dsp:sp>
     <dsp:sp modelId="{F20DF4A8-2CB6-431A-9E96-E42EAB19D556}">
@@ -1534,10 +2489,210 @@
       </dsp:nvSpPr>
       <dsp:spPr>
         <a:xfrm>
-          <a:off x="1466949" y="1342975"/>
-          <a:ext cx="5371901" cy="5371901"/>
+          <a:off x="1634821" y="1678719"/>
+          <a:ext cx="5036157" cy="5036157"/>
         </a:xfrm>
         <a:prstGeom prst="ellipse">
+          <a:avLst/>
+        </a:prstGeom>
+        <a:solidFill>
+          <a:schemeClr val="accent1">
+            <a:lumMod val="75000"/>
+          </a:schemeClr>
+        </a:solidFill>
+        <a:ln w="25400" cap="flat" cmpd="sng" algn="ctr">
+          <a:solidFill>
+            <a:schemeClr val="lt1">
+              <a:hueOff val="0"/>
+              <a:satOff val="0"/>
+              <a:lumOff val="0"/>
+              <a:alphaOff val="0"/>
+            </a:schemeClr>
+          </a:solidFill>
+          <a:prstDash val="solid"/>
+        </a:ln>
+        <a:effectLst/>
+      </dsp:spPr>
+      <dsp:style>
+        <a:lnRef idx="2">
+          <a:scrgbClr r="0" g="0" b="0"/>
+        </a:lnRef>
+        <a:fillRef idx="1">
+          <a:scrgbClr r="0" g="0" b="0"/>
+        </a:fillRef>
+        <a:effectRef idx="0">
+          <a:scrgbClr r="0" g="0" b="0"/>
+        </a:effectRef>
+        <a:fontRef idx="minor">
+          <a:schemeClr val="lt1"/>
+        </a:fontRef>
+      </dsp:style>
+      <dsp:txBody>
+        <a:bodyPr spcFirstLastPara="0" vert="horz" wrap="square" lIns="120904" tIns="120904" rIns="120904" bIns="120904" numCol="1" spcCol="1270" anchor="ctr" anchorCtr="0">
+          <a:noAutofit/>
+        </a:bodyPr>
+        <a:lstStyle/>
+        <a:p>
+          <a:pPr lvl="0" algn="ctr" defTabSz="755650">
+            <a:lnSpc>
+              <a:spcPct val="90000"/>
+            </a:lnSpc>
+            <a:spcBef>
+              <a:spcPct val="0"/>
+            </a:spcBef>
+            <a:spcAft>
+              <a:spcPct val="35000"/>
+            </a:spcAft>
+          </a:pPr>
+          <a:r>
+            <a:rPr lang="en-GB" sz="1700" kern="1200" dirty="0" smtClean="0"/>
+            <a:t>Screening based on financial risk and performance analysis</a:t>
+          </a:r>
+          <a:endParaRPr lang="en-GB" sz="1700" kern="1200" dirty="0"/>
+        </a:p>
+      </dsp:txBody>
+      <dsp:txXfrm>
+        <a:off x="2979475" y="1993479"/>
+        <a:ext cx="2346849" cy="944279"/>
+      </dsp:txXfrm>
+    </dsp:sp>
+    <dsp:sp modelId="{CDE2AEAA-5E71-4004-8C1F-52D9C4D86BFE}">
+      <dsp:nvSpPr>
+        <dsp:cNvPr id="0" name=""/>
+        <dsp:cNvSpPr/>
+      </dsp:nvSpPr>
+      <dsp:spPr>
+        <a:xfrm>
+          <a:off x="2474180" y="3357438"/>
+          <a:ext cx="3357438" cy="3357438"/>
+        </a:xfrm>
+        <a:prstGeom prst="ellipse">
+          <a:avLst/>
+        </a:prstGeom>
+        <a:solidFill>
+          <a:schemeClr val="accent1">
+            <a:lumMod val="75000"/>
+          </a:schemeClr>
+        </a:solidFill>
+        <a:ln w="25400" cap="flat" cmpd="sng" algn="ctr">
+          <a:solidFill>
+            <a:schemeClr val="lt1">
+              <a:hueOff val="0"/>
+              <a:satOff val="0"/>
+              <a:lumOff val="0"/>
+              <a:alphaOff val="0"/>
+            </a:schemeClr>
+          </a:solidFill>
+          <a:prstDash val="solid"/>
+        </a:ln>
+        <a:effectLst/>
+      </dsp:spPr>
+      <dsp:style>
+        <a:lnRef idx="2">
+          <a:scrgbClr r="0" g="0" b="0"/>
+        </a:lnRef>
+        <a:fillRef idx="1">
+          <a:scrgbClr r="0" g="0" b="0"/>
+        </a:fillRef>
+        <a:effectRef idx="0">
+          <a:scrgbClr r="0" g="0" b="0"/>
+        </a:effectRef>
+        <a:fontRef idx="minor">
+          <a:schemeClr val="lt1"/>
+        </a:fontRef>
+      </dsp:style>
+      <dsp:txBody>
+        <a:bodyPr spcFirstLastPara="0" vert="horz" wrap="square" lIns="120904" tIns="120904" rIns="120904" bIns="120904" numCol="1" spcCol="1270" anchor="ctr" anchorCtr="0">
+          <a:noAutofit/>
+        </a:bodyPr>
+        <a:lstStyle/>
+        <a:p>
+          <a:pPr lvl="0" algn="ctr" defTabSz="755650">
+            <a:lnSpc>
+              <a:spcPct val="90000"/>
+            </a:lnSpc>
+            <a:spcBef>
+              <a:spcPct val="0"/>
+            </a:spcBef>
+            <a:spcAft>
+              <a:spcPct val="35000"/>
+            </a:spcAft>
+          </a:pPr>
+          <a:r>
+            <a:rPr lang="en-GB" sz="1700" kern="1200" dirty="0" smtClean="0"/>
+            <a:t>Optimize portfolios under diversification constraints</a:t>
+          </a:r>
+          <a:endParaRPr lang="en-GB" sz="1700" kern="1200" dirty="0"/>
+        </a:p>
+      </dsp:txBody>
+      <dsp:txXfrm>
+        <a:off x="2965866" y="4196798"/>
+        <a:ext cx="2374067" cy="1678719"/>
+      </dsp:txXfrm>
+    </dsp:sp>
+  </dsp:spTree>
+</dsp:drawing>
+</file>
+
+<file path=ppt/diagrams/drawing2.xml><?xml version="1.0" encoding="utf-8"?>
+<dsp:drawing xmlns:dgm="http://schemas.openxmlformats.org/drawingml/2006/diagram" xmlns:dsp="http://schemas.microsoft.com/office/drawing/2008/diagram" xmlns:a="http://schemas.openxmlformats.org/drawingml/2006/main">
+  <dsp:spTree>
+    <dsp:nvGrpSpPr>
+      <dsp:cNvPr id="0" name=""/>
+      <dsp:cNvGrpSpPr/>
+    </dsp:nvGrpSpPr>
+    <dsp:grpSpPr/>
+    <dsp:sp modelId="{9C52FD0B-4AC5-40EE-9153-C7724E761D18}">
+      <dsp:nvSpPr>
+        <dsp:cNvPr id="0" name=""/>
+        <dsp:cNvSpPr/>
+      </dsp:nvSpPr>
+      <dsp:spPr>
+        <a:xfrm>
+          <a:off x="0" y="0"/>
+          <a:ext cx="10492740" cy="9465733"/>
+        </a:xfrm>
+        <a:prstGeom prst="rightArrow">
+          <a:avLst/>
+        </a:prstGeom>
+        <a:solidFill>
+          <a:schemeClr val="accent1">
+            <a:tint val="40000"/>
+            <a:hueOff val="0"/>
+            <a:satOff val="0"/>
+            <a:lumOff val="0"/>
+            <a:alphaOff val="0"/>
+          </a:schemeClr>
+        </a:solidFill>
+        <a:ln>
+          <a:noFill/>
+        </a:ln>
+        <a:effectLst/>
+      </dsp:spPr>
+      <dsp:style>
+        <a:lnRef idx="0">
+          <a:scrgbClr r="0" g="0" b="0"/>
+        </a:lnRef>
+        <a:fillRef idx="1">
+          <a:scrgbClr r="0" g="0" b="0"/>
+        </a:fillRef>
+        <a:effectRef idx="0">
+          <a:scrgbClr r="0" g="0" b="0"/>
+        </a:effectRef>
+        <a:fontRef idx="minor"/>
+      </dsp:style>
+    </dsp:sp>
+    <dsp:sp modelId="{7812C6CE-0A1D-43CA-9003-DFA342E3303F}">
+      <dsp:nvSpPr>
+        <dsp:cNvPr id="0" name=""/>
+        <dsp:cNvSpPr/>
+      </dsp:nvSpPr>
+      <dsp:spPr>
+        <a:xfrm>
+          <a:off x="19046" y="2839719"/>
+          <a:ext cx="2930423" cy="3786293"/>
+        </a:xfrm>
+        <a:prstGeom prst="roundRect">
           <a:avLst/>
         </a:prstGeom>
         <a:solidFill>
@@ -1576,12 +2731,12 @@
         </a:fontRef>
       </dsp:style>
       <dsp:txBody>
-        <a:bodyPr spcFirstLastPara="0" vert="horz" wrap="square" lIns="92456" tIns="92456" rIns="92456" bIns="92456" numCol="1" spcCol="1270" anchor="ctr" anchorCtr="0">
+        <a:bodyPr spcFirstLastPara="0" vert="horz" wrap="square" lIns="125730" tIns="125730" rIns="125730" bIns="125730" numCol="1" spcCol="1270" anchor="ctr" anchorCtr="0">
           <a:noAutofit/>
         </a:bodyPr>
         <a:lstStyle/>
         <a:p>
-          <a:pPr lvl="0" algn="ctr" defTabSz="577850">
+          <a:pPr lvl="0" algn="ctr" defTabSz="1466850">
             <a:lnSpc>
               <a:spcPct val="90000"/>
             </a:lnSpc>
@@ -1593,33 +2748,36 @@
             </a:spcAft>
           </a:pPr>
           <a:r>
-            <a:rPr lang="en-GB" sz="1300" kern="1200" dirty="0" smtClean="0"/>
-            <a:t>Screening based on economic, social and environmental analysis</a:t>
+            <a:rPr lang="nl-BE" sz="3300" kern="1200" dirty="0" smtClean="0"/>
+            <a:t>Ch. 1: Portfolio weights and returns</a:t>
           </a:r>
-          <a:endParaRPr lang="en-GB" sz="1300" kern="1200" dirty="0"/>
+          <a:endParaRPr lang="nl-BE" sz="3300" kern="1200" dirty="0"/>
         </a:p>
       </dsp:txBody>
       <dsp:txXfrm>
-        <a:off x="3214160" y="1665289"/>
-        <a:ext cx="1877479" cy="966942"/>
+        <a:off x="162097" y="2982770"/>
+        <a:ext cx="2644321" cy="3500191"/>
       </dsp:txXfrm>
     </dsp:sp>
-    <dsp:sp modelId="{CDE2AEAA-5E71-4004-8C1F-52D9C4D86BFE}">
+    <dsp:sp modelId="{D72C31C5-05DC-42F4-A84D-1CF0A597483E}">
       <dsp:nvSpPr>
         <dsp:cNvPr id="0" name=""/>
         <dsp:cNvSpPr/>
       </dsp:nvSpPr>
       <dsp:spPr>
         <a:xfrm>
-          <a:off x="2138436" y="2685950"/>
-          <a:ext cx="4028926" cy="4028926"/>
+          <a:off x="3154607" y="2839719"/>
+          <a:ext cx="2930423" cy="3786293"/>
         </a:xfrm>
-        <a:prstGeom prst="ellipse">
+        <a:prstGeom prst="roundRect">
           <a:avLst/>
         </a:prstGeom>
         <a:solidFill>
           <a:schemeClr val="accent1">
-            <a:lumMod val="75000"/>
+            <a:hueOff val="0"/>
+            <a:satOff val="0"/>
+            <a:lumOff val="0"/>
+            <a:alphaOff val="0"/>
           </a:schemeClr>
         </a:solidFill>
         <a:ln w="25400" cap="flat" cmpd="sng" algn="ctr">
@@ -1650,12 +2808,12 @@
         </a:fontRef>
       </dsp:style>
       <dsp:txBody>
-        <a:bodyPr spcFirstLastPara="0" vert="horz" wrap="square" lIns="92456" tIns="92456" rIns="92456" bIns="92456" numCol="1" spcCol="1270" anchor="ctr" anchorCtr="0">
+        <a:bodyPr spcFirstLastPara="0" vert="horz" wrap="square" lIns="125730" tIns="125730" rIns="125730" bIns="125730" numCol="1" spcCol="1270" anchor="ctr" anchorCtr="0">
           <a:noAutofit/>
         </a:bodyPr>
         <a:lstStyle/>
         <a:p>
-          <a:pPr lvl="0" algn="ctr" defTabSz="577850">
+          <a:pPr lvl="0" algn="ctr" defTabSz="1466850">
             <a:lnSpc>
               <a:spcPct val="90000"/>
             </a:lnSpc>
@@ -1667,33 +2825,53 @@
             </a:spcAft>
           </a:pPr>
           <a:r>
-            <a:rPr lang="en-GB" sz="1300" kern="1200" dirty="0" smtClean="0"/>
-            <a:t>Screening based on financial risk and performance analysis</a:t>
+            <a:rPr lang="nl-BE" sz="3300" kern="1200" dirty="0" smtClean="0"/>
+            <a:t>Ch. 2:</a:t>
           </a:r>
-          <a:endParaRPr lang="en-GB" sz="1300" kern="1200" dirty="0"/>
+        </a:p>
+        <a:p>
+          <a:pPr lvl="0" algn="ctr" defTabSz="1466850">
+            <a:lnSpc>
+              <a:spcPct val="90000"/>
+            </a:lnSpc>
+            <a:spcBef>
+              <a:spcPct val="0"/>
+            </a:spcBef>
+            <a:spcAft>
+              <a:spcPct val="35000"/>
+            </a:spcAft>
+          </a:pPr>
+          <a:r>
+            <a:rPr lang="nl-BE" sz="3300" kern="1200" dirty="0" smtClean="0"/>
+            <a:t>Portfolio performance evaluation</a:t>
+          </a:r>
+          <a:endParaRPr lang="nl-BE" sz="3300" kern="1200" dirty="0"/>
         </a:p>
       </dsp:txBody>
       <dsp:txXfrm>
-        <a:off x="3214160" y="2988120"/>
-        <a:ext cx="1877479" cy="906508"/>
+        <a:off x="3297658" y="2982770"/>
+        <a:ext cx="2644321" cy="3500191"/>
       </dsp:txXfrm>
     </dsp:sp>
-    <dsp:sp modelId="{BD0FDC59-C84F-4F63-9787-2A13ED122D3A}">
+    <dsp:sp modelId="{1C0D8A43-3D82-4BB6-A8F9-3B1F0874F074}">
       <dsp:nvSpPr>
         <dsp:cNvPr id="0" name=""/>
         <dsp:cNvSpPr/>
       </dsp:nvSpPr>
       <dsp:spPr>
         <a:xfrm>
-          <a:off x="2809924" y="4028926"/>
-          <a:ext cx="2685950" cy="2685950"/>
+          <a:off x="6290168" y="2839719"/>
+          <a:ext cx="2930423" cy="3786293"/>
         </a:xfrm>
-        <a:prstGeom prst="ellipse">
+        <a:prstGeom prst="roundRect">
           <a:avLst/>
         </a:prstGeom>
         <a:solidFill>
           <a:schemeClr val="accent1">
-            <a:lumMod val="50000"/>
+            <a:hueOff val="0"/>
+            <a:satOff val="0"/>
+            <a:lumOff val="0"/>
+            <a:alphaOff val="0"/>
           </a:schemeClr>
         </a:solidFill>
         <a:ln w="25400" cap="flat" cmpd="sng" algn="ctr">
@@ -1724,12 +2902,12 @@
         </a:fontRef>
       </dsp:style>
       <dsp:txBody>
-        <a:bodyPr spcFirstLastPara="0" vert="horz" wrap="square" lIns="92456" tIns="92456" rIns="92456" bIns="92456" numCol="1" spcCol="1270" anchor="ctr" anchorCtr="0">
+        <a:bodyPr spcFirstLastPara="0" vert="horz" wrap="square" lIns="125730" tIns="125730" rIns="125730" bIns="125730" numCol="1" spcCol="1270" anchor="ctr" anchorCtr="0">
           <a:noAutofit/>
         </a:bodyPr>
         <a:lstStyle/>
         <a:p>
-          <a:pPr lvl="0" algn="ctr" defTabSz="577850">
+          <a:pPr lvl="0" algn="ctr" defTabSz="1466850">
             <a:lnSpc>
               <a:spcPct val="90000"/>
             </a:lnSpc>
@@ -1741,15 +2919,109 @@
             </a:spcAft>
           </a:pPr>
           <a:r>
-            <a:rPr lang="en-GB" sz="1300" kern="1200" dirty="0" smtClean="0"/>
-            <a:t>Optimize portfolios under diversification constraints</a:t>
+            <a:rPr lang="nl-BE" sz="3300" kern="1200" dirty="0" smtClean="0"/>
+            <a:t>Ch. 3:</a:t>
           </a:r>
-          <a:endParaRPr lang="en-GB" sz="1300" kern="1200" dirty="0"/>
+        </a:p>
+        <a:p>
+          <a:pPr lvl="0" algn="ctr" defTabSz="1466850">
+            <a:lnSpc>
+              <a:spcPct val="90000"/>
+            </a:lnSpc>
+            <a:spcBef>
+              <a:spcPct val="0"/>
+            </a:spcBef>
+            <a:spcAft>
+              <a:spcPct val="35000"/>
+            </a:spcAft>
+          </a:pPr>
+          <a:r>
+            <a:rPr lang="nl-BE" sz="3300" kern="1200" dirty="0" smtClean="0"/>
+            <a:t>Drivers of performance</a:t>
+          </a:r>
+          <a:endParaRPr lang="nl-BE" sz="3300" kern="1200" dirty="0"/>
         </a:p>
       </dsp:txBody>
       <dsp:txXfrm>
-        <a:off x="3203272" y="4700413"/>
-        <a:ext cx="1899254" cy="1342975"/>
+        <a:off x="6433219" y="2982770"/>
+        <a:ext cx="2644321" cy="3500191"/>
+      </dsp:txXfrm>
+    </dsp:sp>
+    <dsp:sp modelId="{B265EE27-C977-4DEC-B2B9-32ACBDD430E7}">
+      <dsp:nvSpPr>
+        <dsp:cNvPr id="0" name=""/>
+        <dsp:cNvSpPr/>
+      </dsp:nvSpPr>
+      <dsp:spPr>
+        <a:xfrm>
+          <a:off x="9425729" y="2839719"/>
+          <a:ext cx="2899624" cy="3786293"/>
+        </a:xfrm>
+        <a:prstGeom prst="roundRect">
+          <a:avLst/>
+        </a:prstGeom>
+        <a:solidFill>
+          <a:schemeClr val="accent1">
+            <a:hueOff val="0"/>
+            <a:satOff val="0"/>
+            <a:lumOff val="0"/>
+            <a:alphaOff val="0"/>
+          </a:schemeClr>
+        </a:solidFill>
+        <a:ln w="25400" cap="flat" cmpd="sng" algn="ctr">
+          <a:solidFill>
+            <a:schemeClr val="lt1">
+              <a:hueOff val="0"/>
+              <a:satOff val="0"/>
+              <a:lumOff val="0"/>
+              <a:alphaOff val="0"/>
+            </a:schemeClr>
+          </a:solidFill>
+          <a:prstDash val="solid"/>
+        </a:ln>
+        <a:effectLst/>
+      </dsp:spPr>
+      <dsp:style>
+        <a:lnRef idx="2">
+          <a:scrgbClr r="0" g="0" b="0"/>
+        </a:lnRef>
+        <a:fillRef idx="1">
+          <a:scrgbClr r="0" g="0" b="0"/>
+        </a:fillRef>
+        <a:effectRef idx="0">
+          <a:scrgbClr r="0" g="0" b="0"/>
+        </a:effectRef>
+        <a:fontRef idx="minor">
+          <a:schemeClr val="lt1"/>
+        </a:fontRef>
+      </dsp:style>
+      <dsp:txBody>
+        <a:bodyPr spcFirstLastPara="0" vert="horz" wrap="square" lIns="125730" tIns="125730" rIns="125730" bIns="125730" numCol="1" spcCol="1270" anchor="ctr" anchorCtr="0">
+          <a:noAutofit/>
+        </a:bodyPr>
+        <a:lstStyle/>
+        <a:p>
+          <a:pPr lvl="0" algn="ctr" defTabSz="1466850">
+            <a:lnSpc>
+              <a:spcPct val="90000"/>
+            </a:lnSpc>
+            <a:spcBef>
+              <a:spcPct val="0"/>
+            </a:spcBef>
+            <a:spcAft>
+              <a:spcPct val="35000"/>
+            </a:spcAft>
+          </a:pPr>
+          <a:r>
+            <a:rPr lang="nl-BE" sz="3300" kern="1200" dirty="0" smtClean="0"/>
+            <a:t>Ch. 4: Portfolio optimization</a:t>
+          </a:r>
+          <a:endParaRPr lang="nl-BE" sz="3300" kern="1200" dirty="0"/>
+        </a:p>
+      </dsp:txBody>
+      <dsp:txXfrm>
+        <a:off x="9567277" y="2981267"/>
+        <a:ext cx="2616528" cy="3503197"/>
       </dsp:txXfrm>
     </dsp:sp>
   </dsp:spTree>
@@ -2418,7 +3690,1195 @@
 </dgm:layoutDef>
 </file>
 
+<file path=ppt/diagrams/layout2.xml><?xml version="1.0" encoding="utf-8"?>
+<dgm:layoutDef xmlns:dgm="http://schemas.openxmlformats.org/drawingml/2006/diagram" xmlns:a="http://schemas.openxmlformats.org/drawingml/2006/main" uniqueId="urn:microsoft.com/office/officeart/2005/8/layout/hProcess9">
+  <dgm:title val=""/>
+  <dgm:desc val=""/>
+  <dgm:catLst>
+    <dgm:cat type="process" pri="5000"/>
+    <dgm:cat type="convert" pri="13000"/>
+  </dgm:catLst>
+  <dgm:sampData useDef="1">
+    <dgm:dataModel>
+      <dgm:ptLst/>
+      <dgm:bg/>
+      <dgm:whole/>
+    </dgm:dataModel>
+  </dgm:sampData>
+  <dgm:styleData>
+    <dgm:dataModel>
+      <dgm:ptLst>
+        <dgm:pt modelId="0" type="doc"/>
+        <dgm:pt modelId="1"/>
+        <dgm:pt modelId="2"/>
+      </dgm:ptLst>
+      <dgm:cxnLst>
+        <dgm:cxn modelId="3" srcId="0" destId="1" srcOrd="0" destOrd="0"/>
+        <dgm:cxn modelId="4" srcId="0" destId="2" srcOrd="1" destOrd="0"/>
+      </dgm:cxnLst>
+      <dgm:bg/>
+      <dgm:whole/>
+    </dgm:dataModel>
+  </dgm:styleData>
+  <dgm:clrData>
+    <dgm:dataModel>
+      <dgm:ptLst>
+        <dgm:pt modelId="0" type="doc"/>
+        <dgm:pt modelId="1"/>
+        <dgm:pt modelId="2"/>
+        <dgm:pt modelId="3"/>
+        <dgm:pt modelId="4"/>
+      </dgm:ptLst>
+      <dgm:cxnLst>
+        <dgm:cxn modelId="5" srcId="0" destId="1" srcOrd="0" destOrd="0"/>
+        <dgm:cxn modelId="6" srcId="0" destId="2" srcOrd="1" destOrd="0"/>
+        <dgm:cxn modelId="7" srcId="0" destId="3" srcOrd="2" destOrd="0"/>
+        <dgm:cxn modelId="8" srcId="0" destId="4" srcOrd="3" destOrd="0"/>
+      </dgm:cxnLst>
+      <dgm:bg/>
+      <dgm:whole/>
+    </dgm:dataModel>
+  </dgm:clrData>
+  <dgm:layoutNode name="CompostProcess">
+    <dgm:varLst>
+      <dgm:dir/>
+      <dgm:resizeHandles val="exact"/>
+    </dgm:varLst>
+    <dgm:alg type="composite">
+      <dgm:param type="horzAlign" val="ctr"/>
+      <dgm:param type="vertAlign" val="mid"/>
+    </dgm:alg>
+    <dgm:shape xmlns:r="http://schemas.openxmlformats.org/officeDocument/2006/relationships" r:blip="">
+      <dgm:adjLst/>
+    </dgm:shape>
+    <dgm:presOf/>
+    <dgm:constrLst>
+      <dgm:constr type="w" for="ch" forName="arrow" refType="w" fact="0.85"/>
+      <dgm:constr type="h" for="ch" forName="arrow" refType="h"/>
+      <dgm:constr type="ctrX" for="ch" forName="arrow" refType="w" fact="0.5"/>
+      <dgm:constr type="ctrY" for="ch" forName="arrow" refType="h" fact="0.5"/>
+      <dgm:constr type="w" for="ch" forName="linearProcess" refType="w"/>
+      <dgm:constr type="h" for="ch" forName="linearProcess" refType="h" fact="0.4"/>
+      <dgm:constr type="ctrX" for="ch" forName="linearProcess" refType="w" fact="0.5"/>
+      <dgm:constr type="ctrY" for="ch" forName="linearProcess" refType="h" fact="0.5"/>
+    </dgm:constrLst>
+    <dgm:ruleLst/>
+    <dgm:layoutNode name="arrow" styleLbl="bgShp">
+      <dgm:alg type="sp"/>
+      <dgm:choose name="Name0">
+        <dgm:if name="Name1" func="var" arg="dir" op="equ" val="norm">
+          <dgm:shape xmlns:r="http://schemas.openxmlformats.org/officeDocument/2006/relationships" type="rightArrow" r:blip="">
+            <dgm:adjLst/>
+          </dgm:shape>
+        </dgm:if>
+        <dgm:else name="Name2">
+          <dgm:shape xmlns:r="http://schemas.openxmlformats.org/officeDocument/2006/relationships" type="leftArrow" r:blip="">
+            <dgm:adjLst/>
+          </dgm:shape>
+        </dgm:else>
+      </dgm:choose>
+      <dgm:presOf/>
+      <dgm:constrLst/>
+      <dgm:ruleLst/>
+    </dgm:layoutNode>
+    <dgm:layoutNode name="linearProcess">
+      <dgm:choose name="Name3">
+        <dgm:if name="Name4" func="var" arg="dir" op="equ" val="norm">
+          <dgm:alg type="lin"/>
+        </dgm:if>
+        <dgm:else name="Name5">
+          <dgm:alg type="lin">
+            <dgm:param type="linDir" val="fromR"/>
+          </dgm:alg>
+        </dgm:else>
+      </dgm:choose>
+      <dgm:shape xmlns:r="http://schemas.openxmlformats.org/officeDocument/2006/relationships" r:blip="">
+        <dgm:adjLst/>
+      </dgm:shape>
+      <dgm:presOf/>
+      <dgm:constrLst>
+        <dgm:constr type="userA" for="ch" ptType="node" refType="w"/>
+        <dgm:constr type="h" for="ch" ptType="node" refType="h"/>
+        <dgm:constr type="w" for="ch" ptType="node" op="equ"/>
+        <dgm:constr type="w" for="ch" forName="sibTrans" refType="w" fact="0.05"/>
+        <dgm:constr type="primFontSz" for="ch" ptType="node" op="equ" val="65"/>
+      </dgm:constrLst>
+      <dgm:ruleLst/>
+      <dgm:forEach name="Name6" axis="ch" ptType="node">
+        <dgm:layoutNode name="textNode" styleLbl="node1">
+          <dgm:varLst>
+            <dgm:bulletEnabled val="1"/>
+          </dgm:varLst>
+          <dgm:alg type="tx"/>
+          <dgm:shape xmlns:r="http://schemas.openxmlformats.org/officeDocument/2006/relationships" type="roundRect" r:blip="">
+            <dgm:adjLst/>
+          </dgm:shape>
+          <dgm:presOf axis="desOrSelf" ptType="node"/>
+          <dgm:constrLst>
+            <dgm:constr type="userA"/>
+            <dgm:constr type="w" refType="userA" fact="0.3"/>
+            <dgm:constr type="tMarg" refType="primFontSz" fact="0.3"/>
+            <dgm:constr type="bMarg" refType="primFontSz" fact="0.3"/>
+            <dgm:constr type="lMarg" refType="primFontSz" fact="0.3"/>
+            <dgm:constr type="rMarg" refType="primFontSz" fact="0.3"/>
+          </dgm:constrLst>
+          <dgm:ruleLst>
+            <dgm:rule type="w" val="NaN" fact="1" max="NaN"/>
+            <dgm:rule type="primFontSz" val="5" fact="NaN" max="NaN"/>
+          </dgm:ruleLst>
+        </dgm:layoutNode>
+        <dgm:forEach name="Name7" axis="followSib" ptType="sibTrans" cnt="1">
+          <dgm:layoutNode name="sibTrans">
+            <dgm:alg type="sp"/>
+            <dgm:shape xmlns:r="http://schemas.openxmlformats.org/officeDocument/2006/relationships" r:blip="">
+              <dgm:adjLst/>
+            </dgm:shape>
+            <dgm:presOf/>
+            <dgm:constrLst/>
+            <dgm:ruleLst/>
+          </dgm:layoutNode>
+        </dgm:forEach>
+      </dgm:forEach>
+    </dgm:layoutNode>
+  </dgm:layoutNode>
+</dgm:layoutDef>
+</file>
+
 <file path=ppt/diagrams/quickStyle1.xml><?xml version="1.0" encoding="utf-8"?>
+<dgm:styleDef xmlns:dgm="http://schemas.openxmlformats.org/drawingml/2006/diagram" xmlns:a="http://schemas.openxmlformats.org/drawingml/2006/main" uniqueId="urn:microsoft.com/office/officeart/2005/8/quickstyle/simple1">
+  <dgm:title val=""/>
+  <dgm:desc val=""/>
+  <dgm:catLst>
+    <dgm:cat type="simple" pri="10100"/>
+  </dgm:catLst>
+  <dgm:scene3d>
+    <a:camera prst="orthographicFront"/>
+    <a:lightRig rig="threePt" dir="t"/>
+  </dgm:scene3d>
+  <dgm:styleLbl name="node0">
+    <dgm:scene3d>
+      <a:camera prst="orthographicFront"/>
+      <a:lightRig rig="threePt" dir="t"/>
+    </dgm:scene3d>
+    <dgm:sp3d/>
+    <dgm:txPr/>
+    <dgm:style>
+      <a:lnRef idx="2">
+        <a:scrgbClr r="0" g="0" b="0"/>
+      </a:lnRef>
+      <a:fillRef idx="1">
+        <a:scrgbClr r="0" g="0" b="0"/>
+      </a:fillRef>
+      <a:effectRef idx="0">
+        <a:scrgbClr r="0" g="0" b="0"/>
+      </a:effectRef>
+      <a:fontRef idx="minor">
+        <a:schemeClr val="lt1"/>
+      </a:fontRef>
+    </dgm:style>
+  </dgm:styleLbl>
+  <dgm:styleLbl name="lnNode1">
+    <dgm:scene3d>
+      <a:camera prst="orthographicFront"/>
+      <a:lightRig rig="threePt" dir="t"/>
+    </dgm:scene3d>
+    <dgm:sp3d/>
+    <dgm:txPr/>
+    <dgm:style>
+      <a:lnRef idx="2">
+        <a:scrgbClr r="0" g="0" b="0"/>
+      </a:lnRef>
+      <a:fillRef idx="1">
+        <a:scrgbClr r="0" g="0" b="0"/>
+      </a:fillRef>
+      <a:effectRef idx="0">
+        <a:scrgbClr r="0" g="0" b="0"/>
+      </a:effectRef>
+      <a:fontRef idx="minor">
+        <a:schemeClr val="lt1"/>
+      </a:fontRef>
+    </dgm:style>
+  </dgm:styleLbl>
+  <dgm:styleLbl name="vennNode1">
+    <dgm:scene3d>
+      <a:camera prst="orthographicFront"/>
+      <a:lightRig rig="threePt" dir="t"/>
+    </dgm:scene3d>
+    <dgm:sp3d/>
+    <dgm:txPr/>
+    <dgm:style>
+      <a:lnRef idx="2">
+        <a:scrgbClr r="0" g="0" b="0"/>
+      </a:lnRef>
+      <a:fillRef idx="1">
+        <a:scrgbClr r="0" g="0" b="0"/>
+      </a:fillRef>
+      <a:effectRef idx="0">
+        <a:scrgbClr r="0" g="0" b="0"/>
+      </a:effectRef>
+      <a:fontRef idx="minor">
+        <a:schemeClr val="tx1"/>
+      </a:fontRef>
+    </dgm:style>
+  </dgm:styleLbl>
+  <dgm:styleLbl name="alignNode1">
+    <dgm:scene3d>
+      <a:camera prst="orthographicFront"/>
+      <a:lightRig rig="threePt" dir="t"/>
+    </dgm:scene3d>
+    <dgm:sp3d/>
+    <dgm:txPr/>
+    <dgm:style>
+      <a:lnRef idx="2">
+        <a:scrgbClr r="0" g="0" b="0"/>
+      </a:lnRef>
+      <a:fillRef idx="1">
+        <a:scrgbClr r="0" g="0" b="0"/>
+      </a:fillRef>
+      <a:effectRef idx="0">
+        <a:scrgbClr r="0" g="0" b="0"/>
+      </a:effectRef>
+      <a:fontRef idx="minor">
+        <a:schemeClr val="lt1"/>
+      </a:fontRef>
+    </dgm:style>
+  </dgm:styleLbl>
+  <dgm:styleLbl name="node1">
+    <dgm:scene3d>
+      <a:camera prst="orthographicFront"/>
+      <a:lightRig rig="threePt" dir="t"/>
+    </dgm:scene3d>
+    <dgm:sp3d/>
+    <dgm:txPr/>
+    <dgm:style>
+      <a:lnRef idx="2">
+        <a:scrgbClr r="0" g="0" b="0"/>
+      </a:lnRef>
+      <a:fillRef idx="1">
+        <a:scrgbClr r="0" g="0" b="0"/>
+      </a:fillRef>
+      <a:effectRef idx="0">
+        <a:scrgbClr r="0" g="0" b="0"/>
+      </a:effectRef>
+      <a:fontRef idx="minor">
+        <a:schemeClr val="lt1"/>
+      </a:fontRef>
+    </dgm:style>
+  </dgm:styleLbl>
+  <dgm:styleLbl name="node2">
+    <dgm:scene3d>
+      <a:camera prst="orthographicFront"/>
+      <a:lightRig rig="threePt" dir="t"/>
+    </dgm:scene3d>
+    <dgm:sp3d/>
+    <dgm:txPr/>
+    <dgm:style>
+      <a:lnRef idx="2">
+        <a:scrgbClr r="0" g="0" b="0"/>
+      </a:lnRef>
+      <a:fillRef idx="1">
+        <a:scrgbClr r="0" g="0" b="0"/>
+      </a:fillRef>
+      <a:effectRef idx="0">
+        <a:scrgbClr r="0" g="0" b="0"/>
+      </a:effectRef>
+      <a:fontRef idx="minor">
+        <a:schemeClr val="lt1"/>
+      </a:fontRef>
+    </dgm:style>
+  </dgm:styleLbl>
+  <dgm:styleLbl name="node3">
+    <dgm:scene3d>
+      <a:camera prst="orthographicFront"/>
+      <a:lightRig rig="threePt" dir="t"/>
+    </dgm:scene3d>
+    <dgm:sp3d/>
+    <dgm:txPr/>
+    <dgm:style>
+      <a:lnRef idx="2">
+        <a:scrgbClr r="0" g="0" b="0"/>
+      </a:lnRef>
+      <a:fillRef idx="1">
+        <a:scrgbClr r="0" g="0" b="0"/>
+      </a:fillRef>
+      <a:effectRef idx="0">
+        <a:scrgbClr r="0" g="0" b="0"/>
+      </a:effectRef>
+      <a:fontRef idx="minor">
+        <a:schemeClr val="lt1"/>
+      </a:fontRef>
+    </dgm:style>
+  </dgm:styleLbl>
+  <dgm:styleLbl name="node4">
+    <dgm:scene3d>
+      <a:camera prst="orthographicFront"/>
+      <a:lightRig rig="threePt" dir="t"/>
+    </dgm:scene3d>
+    <dgm:sp3d/>
+    <dgm:txPr/>
+    <dgm:style>
+      <a:lnRef idx="2">
+        <a:scrgbClr r="0" g="0" b="0"/>
+      </a:lnRef>
+      <a:fillRef idx="1">
+        <a:scrgbClr r="0" g="0" b="0"/>
+      </a:fillRef>
+      <a:effectRef idx="0">
+        <a:scrgbClr r="0" g="0" b="0"/>
+      </a:effectRef>
+      <a:fontRef idx="minor">
+        <a:schemeClr val="lt1"/>
+      </a:fontRef>
+    </dgm:style>
+  </dgm:styleLbl>
+  <dgm:styleLbl name="fgImgPlace1">
+    <dgm:scene3d>
+      <a:camera prst="orthographicFront"/>
+      <a:lightRig rig="threePt" dir="t"/>
+    </dgm:scene3d>
+    <dgm:sp3d/>
+    <dgm:txPr/>
+    <dgm:style>
+      <a:lnRef idx="2">
+        <a:scrgbClr r="0" g="0" b="0"/>
+      </a:lnRef>
+      <a:fillRef idx="1">
+        <a:scrgbClr r="0" g="0" b="0"/>
+      </a:fillRef>
+      <a:effectRef idx="0">
+        <a:scrgbClr r="0" g="0" b="0"/>
+      </a:effectRef>
+      <a:fontRef idx="minor"/>
+    </dgm:style>
+  </dgm:styleLbl>
+  <dgm:styleLbl name="alignImgPlace1">
+    <dgm:scene3d>
+      <a:camera prst="orthographicFront"/>
+      <a:lightRig rig="threePt" dir="t"/>
+    </dgm:scene3d>
+    <dgm:sp3d/>
+    <dgm:txPr/>
+    <dgm:style>
+      <a:lnRef idx="2">
+        <a:scrgbClr r="0" g="0" b="0"/>
+      </a:lnRef>
+      <a:fillRef idx="1">
+        <a:scrgbClr r="0" g="0" b="0"/>
+      </a:fillRef>
+      <a:effectRef idx="0">
+        <a:scrgbClr r="0" g="0" b="0"/>
+      </a:effectRef>
+      <a:fontRef idx="minor"/>
+    </dgm:style>
+  </dgm:styleLbl>
+  <dgm:styleLbl name="bgImgPlace1">
+    <dgm:scene3d>
+      <a:camera prst="orthographicFront"/>
+      <a:lightRig rig="threePt" dir="t"/>
+    </dgm:scene3d>
+    <dgm:sp3d/>
+    <dgm:txPr/>
+    <dgm:style>
+      <a:lnRef idx="2">
+        <a:scrgbClr r="0" g="0" b="0"/>
+      </a:lnRef>
+      <a:fillRef idx="1">
+        <a:scrgbClr r="0" g="0" b="0"/>
+      </a:fillRef>
+      <a:effectRef idx="0">
+        <a:scrgbClr r="0" g="0" b="0"/>
+      </a:effectRef>
+      <a:fontRef idx="minor"/>
+    </dgm:style>
+  </dgm:styleLbl>
+  <dgm:styleLbl name="sibTrans2D1">
+    <dgm:scene3d>
+      <a:camera prst="orthographicFront"/>
+      <a:lightRig rig="threePt" dir="t"/>
+    </dgm:scene3d>
+    <dgm:sp3d/>
+    <dgm:txPr/>
+    <dgm:style>
+      <a:lnRef idx="0">
+        <a:scrgbClr r="0" g="0" b="0"/>
+      </a:lnRef>
+      <a:fillRef idx="1">
+        <a:scrgbClr r="0" g="0" b="0"/>
+      </a:fillRef>
+      <a:effectRef idx="0">
+        <a:scrgbClr r="0" g="0" b="0"/>
+      </a:effectRef>
+      <a:fontRef idx="minor">
+        <a:schemeClr val="lt1"/>
+      </a:fontRef>
+    </dgm:style>
+  </dgm:styleLbl>
+  <dgm:styleLbl name="fgSibTrans2D1">
+    <dgm:scene3d>
+      <a:camera prst="orthographicFront"/>
+      <a:lightRig rig="threePt" dir="t"/>
+    </dgm:scene3d>
+    <dgm:sp3d/>
+    <dgm:txPr/>
+    <dgm:style>
+      <a:lnRef idx="0">
+        <a:scrgbClr r="0" g="0" b="0"/>
+      </a:lnRef>
+      <a:fillRef idx="1">
+        <a:scrgbClr r="0" g="0" b="0"/>
+      </a:fillRef>
+      <a:effectRef idx="0">
+        <a:scrgbClr r="0" g="0" b="0"/>
+      </a:effectRef>
+      <a:fontRef idx="minor">
+        <a:schemeClr val="lt1"/>
+      </a:fontRef>
+    </dgm:style>
+  </dgm:styleLbl>
+  <dgm:styleLbl name="bgSibTrans2D1">
+    <dgm:scene3d>
+      <a:camera prst="orthographicFront"/>
+      <a:lightRig rig="threePt" dir="t"/>
+    </dgm:scene3d>
+    <dgm:sp3d/>
+    <dgm:txPr/>
+    <dgm:style>
+      <a:lnRef idx="0">
+        <a:scrgbClr r="0" g="0" b="0"/>
+      </a:lnRef>
+      <a:fillRef idx="1">
+        <a:scrgbClr r="0" g="0" b="0"/>
+      </a:fillRef>
+      <a:effectRef idx="0">
+        <a:scrgbClr r="0" g="0" b="0"/>
+      </a:effectRef>
+      <a:fontRef idx="minor">
+        <a:schemeClr val="lt1"/>
+      </a:fontRef>
+    </dgm:style>
+  </dgm:styleLbl>
+  <dgm:styleLbl name="sibTrans1D1">
+    <dgm:scene3d>
+      <a:camera prst="orthographicFront"/>
+      <a:lightRig rig="threePt" dir="t"/>
+    </dgm:scene3d>
+    <dgm:sp3d/>
+    <dgm:txPr/>
+    <dgm:style>
+      <a:lnRef idx="1">
+        <a:scrgbClr r="0" g="0" b="0"/>
+      </a:lnRef>
+      <a:fillRef idx="0">
+        <a:scrgbClr r="0" g="0" b="0"/>
+      </a:fillRef>
+      <a:effectRef idx="0">
+        <a:scrgbClr r="0" g="0" b="0"/>
+      </a:effectRef>
+      <a:fontRef idx="minor"/>
+    </dgm:style>
+  </dgm:styleLbl>
+  <dgm:styleLbl name="callout">
+    <dgm:scene3d>
+      <a:camera prst="orthographicFront"/>
+      <a:lightRig rig="threePt" dir="t"/>
+    </dgm:scene3d>
+    <dgm:sp3d/>
+    <dgm:txPr/>
+    <dgm:style>
+      <a:lnRef idx="2">
+        <a:scrgbClr r="0" g="0" b="0"/>
+      </a:lnRef>
+      <a:fillRef idx="1">
+        <a:scrgbClr r="0" g="0" b="0"/>
+      </a:fillRef>
+      <a:effectRef idx="0">
+        <a:scrgbClr r="0" g="0" b="0"/>
+      </a:effectRef>
+      <a:fontRef idx="minor"/>
+    </dgm:style>
+  </dgm:styleLbl>
+  <dgm:styleLbl name="asst0">
+    <dgm:scene3d>
+      <a:camera prst="orthographicFront"/>
+      <a:lightRig rig="threePt" dir="t"/>
+    </dgm:scene3d>
+    <dgm:sp3d/>
+    <dgm:txPr/>
+    <dgm:style>
+      <a:lnRef idx="2">
+        <a:scrgbClr r="0" g="0" b="0"/>
+      </a:lnRef>
+      <a:fillRef idx="1">
+        <a:scrgbClr r="0" g="0" b="0"/>
+      </a:fillRef>
+      <a:effectRef idx="0">
+        <a:scrgbClr r="0" g="0" b="0"/>
+      </a:effectRef>
+      <a:fontRef idx="minor">
+        <a:schemeClr val="lt1"/>
+      </a:fontRef>
+    </dgm:style>
+  </dgm:styleLbl>
+  <dgm:styleLbl name="asst1">
+    <dgm:scene3d>
+      <a:camera prst="orthographicFront"/>
+      <a:lightRig rig="threePt" dir="t"/>
+    </dgm:scene3d>
+    <dgm:sp3d/>
+    <dgm:txPr/>
+    <dgm:style>
+      <a:lnRef idx="2">
+        <a:scrgbClr r="0" g="0" b="0"/>
+      </a:lnRef>
+      <a:fillRef idx="1">
+        <a:scrgbClr r="0" g="0" b="0"/>
+      </a:fillRef>
+      <a:effectRef idx="0">
+        <a:scrgbClr r="0" g="0" b="0"/>
+      </a:effectRef>
+      <a:fontRef idx="minor">
+        <a:schemeClr val="lt1"/>
+      </a:fontRef>
+    </dgm:style>
+  </dgm:styleLbl>
+  <dgm:styleLbl name="asst2">
+    <dgm:scene3d>
+      <a:camera prst="orthographicFront"/>
+      <a:lightRig rig="threePt" dir="t"/>
+    </dgm:scene3d>
+    <dgm:sp3d/>
+    <dgm:txPr/>
+    <dgm:style>
+      <a:lnRef idx="2">
+        <a:scrgbClr r="0" g="0" b="0"/>
+      </a:lnRef>
+      <a:fillRef idx="1">
+        <a:scrgbClr r="0" g="0" b="0"/>
+      </a:fillRef>
+      <a:effectRef idx="0">
+        <a:scrgbClr r="0" g="0" b="0"/>
+      </a:effectRef>
+      <a:fontRef idx="minor">
+        <a:schemeClr val="lt1"/>
+      </a:fontRef>
+    </dgm:style>
+  </dgm:styleLbl>
+  <dgm:styleLbl name="asst3">
+    <dgm:scene3d>
+      <a:camera prst="orthographicFront"/>
+      <a:lightRig rig="threePt" dir="t"/>
+    </dgm:scene3d>
+    <dgm:sp3d/>
+    <dgm:txPr/>
+    <dgm:style>
+      <a:lnRef idx="2">
+        <a:scrgbClr r="0" g="0" b="0"/>
+      </a:lnRef>
+      <a:fillRef idx="1">
+        <a:scrgbClr r="0" g="0" b="0"/>
+      </a:fillRef>
+      <a:effectRef idx="0">
+        <a:scrgbClr r="0" g="0" b="0"/>
+      </a:effectRef>
+      <a:fontRef idx="minor">
+        <a:schemeClr val="lt1"/>
+      </a:fontRef>
+    </dgm:style>
+  </dgm:styleLbl>
+  <dgm:styleLbl name="asst4">
+    <dgm:scene3d>
+      <a:camera prst="orthographicFront"/>
+      <a:lightRig rig="threePt" dir="t"/>
+    </dgm:scene3d>
+    <dgm:sp3d/>
+    <dgm:txPr/>
+    <dgm:style>
+      <a:lnRef idx="2">
+        <a:scrgbClr r="0" g="0" b="0"/>
+      </a:lnRef>
+      <a:fillRef idx="1">
+        <a:scrgbClr r="0" g="0" b="0"/>
+      </a:fillRef>
+      <a:effectRef idx="0">
+        <a:scrgbClr r="0" g="0" b="0"/>
+      </a:effectRef>
+      <a:fontRef idx="minor">
+        <a:schemeClr val="lt1"/>
+      </a:fontRef>
+    </dgm:style>
+  </dgm:styleLbl>
+  <dgm:styleLbl name="parChTrans2D1">
+    <dgm:scene3d>
+      <a:camera prst="orthographicFront"/>
+      <a:lightRig rig="threePt" dir="t"/>
+    </dgm:scene3d>
+    <dgm:sp3d/>
+    <dgm:txPr/>
+    <dgm:style>
+      <a:lnRef idx="2">
+        <a:scrgbClr r="0" g="0" b="0"/>
+      </a:lnRef>
+      <a:fillRef idx="1">
+        <a:scrgbClr r="0" g="0" b="0"/>
+      </a:fillRef>
+      <a:effectRef idx="0">
+        <a:scrgbClr r="0" g="0" b="0"/>
+      </a:effectRef>
+      <a:fontRef idx="minor">
+        <a:schemeClr val="lt1"/>
+      </a:fontRef>
+    </dgm:style>
+  </dgm:styleLbl>
+  <dgm:styleLbl name="parChTrans2D2">
+    <dgm:scene3d>
+      <a:camera prst="orthographicFront"/>
+      <a:lightRig rig="threePt" dir="t"/>
+    </dgm:scene3d>
+    <dgm:sp3d/>
+    <dgm:txPr/>
+    <dgm:style>
+      <a:lnRef idx="2">
+        <a:scrgbClr r="0" g="0" b="0"/>
+      </a:lnRef>
+      <a:fillRef idx="1">
+        <a:scrgbClr r="0" g="0" b="0"/>
+      </a:fillRef>
+      <a:effectRef idx="0">
+        <a:scrgbClr r="0" g="0" b="0"/>
+      </a:effectRef>
+      <a:fontRef idx="minor">
+        <a:schemeClr val="lt1"/>
+      </a:fontRef>
+    </dgm:style>
+  </dgm:styleLbl>
+  <dgm:styleLbl name="parChTrans2D3">
+    <dgm:scene3d>
+      <a:camera prst="orthographicFront"/>
+      <a:lightRig rig="threePt" dir="t"/>
+    </dgm:scene3d>
+    <dgm:sp3d/>
+    <dgm:txPr/>
+    <dgm:style>
+      <a:lnRef idx="2">
+        <a:scrgbClr r="0" g="0" b="0"/>
+      </a:lnRef>
+      <a:fillRef idx="1">
+        <a:scrgbClr r="0" g="0" b="0"/>
+      </a:fillRef>
+      <a:effectRef idx="0">
+        <a:scrgbClr r="0" g="0" b="0"/>
+      </a:effectRef>
+      <a:fontRef idx="minor">
+        <a:schemeClr val="lt1"/>
+      </a:fontRef>
+    </dgm:style>
+  </dgm:styleLbl>
+  <dgm:styleLbl name="parChTrans2D4">
+    <dgm:scene3d>
+      <a:camera prst="orthographicFront"/>
+      <a:lightRig rig="threePt" dir="t"/>
+    </dgm:scene3d>
+    <dgm:sp3d/>
+    <dgm:txPr/>
+    <dgm:style>
+      <a:lnRef idx="2">
+        <a:scrgbClr r="0" g="0" b="0"/>
+      </a:lnRef>
+      <a:fillRef idx="1">
+        <a:scrgbClr r="0" g="0" b="0"/>
+      </a:fillRef>
+      <a:effectRef idx="0">
+        <a:scrgbClr r="0" g="0" b="0"/>
+      </a:effectRef>
+      <a:fontRef idx="minor">
+        <a:schemeClr val="lt1"/>
+      </a:fontRef>
+    </dgm:style>
+  </dgm:styleLbl>
+  <dgm:styleLbl name="parChTrans1D1">
+    <dgm:scene3d>
+      <a:camera prst="orthographicFront"/>
+      <a:lightRig rig="threePt" dir="t"/>
+    </dgm:scene3d>
+    <dgm:sp3d/>
+    <dgm:txPr/>
+    <dgm:style>
+      <a:lnRef idx="2">
+        <a:scrgbClr r="0" g="0" b="0"/>
+      </a:lnRef>
+      <a:fillRef idx="0">
+        <a:scrgbClr r="0" g="0" b="0"/>
+      </a:fillRef>
+      <a:effectRef idx="0">
+        <a:scrgbClr r="0" g="0" b="0"/>
+      </a:effectRef>
+      <a:fontRef idx="minor"/>
+    </dgm:style>
+  </dgm:styleLbl>
+  <dgm:styleLbl name="parChTrans1D2">
+    <dgm:scene3d>
+      <a:camera prst="orthographicFront"/>
+      <a:lightRig rig="threePt" dir="t"/>
+    </dgm:scene3d>
+    <dgm:sp3d/>
+    <dgm:txPr/>
+    <dgm:style>
+      <a:lnRef idx="2">
+        <a:scrgbClr r="0" g="0" b="0"/>
+      </a:lnRef>
+      <a:fillRef idx="0">
+        <a:scrgbClr r="0" g="0" b="0"/>
+      </a:fillRef>
+      <a:effectRef idx="0">
+        <a:scrgbClr r="0" g="0" b="0"/>
+      </a:effectRef>
+      <a:fontRef idx="minor"/>
+    </dgm:style>
+  </dgm:styleLbl>
+  <dgm:styleLbl name="parChTrans1D3">
+    <dgm:scene3d>
+      <a:camera prst="orthographicFront"/>
+      <a:lightRig rig="threePt" dir="t"/>
+    </dgm:scene3d>
+    <dgm:sp3d/>
+    <dgm:txPr/>
+    <dgm:style>
+      <a:lnRef idx="2">
+        <a:scrgbClr r="0" g="0" b="0"/>
+      </a:lnRef>
+      <a:fillRef idx="0">
+        <a:scrgbClr r="0" g="0" b="0"/>
+      </a:fillRef>
+      <a:effectRef idx="0">
+        <a:scrgbClr r="0" g="0" b="0"/>
+      </a:effectRef>
+      <a:fontRef idx="minor"/>
+    </dgm:style>
+  </dgm:styleLbl>
+  <dgm:styleLbl name="parChTrans1D4">
+    <dgm:scene3d>
+      <a:camera prst="orthographicFront"/>
+      <a:lightRig rig="threePt" dir="t"/>
+    </dgm:scene3d>
+    <dgm:sp3d/>
+    <dgm:txPr/>
+    <dgm:style>
+      <a:lnRef idx="2">
+        <a:scrgbClr r="0" g="0" b="0"/>
+      </a:lnRef>
+      <a:fillRef idx="0">
+        <a:scrgbClr r="0" g="0" b="0"/>
+      </a:fillRef>
+      <a:effectRef idx="0">
+        <a:scrgbClr r="0" g="0" b="0"/>
+      </a:effectRef>
+      <a:fontRef idx="minor"/>
+    </dgm:style>
+  </dgm:styleLbl>
+  <dgm:styleLbl name="fgAcc1">
+    <dgm:scene3d>
+      <a:camera prst="orthographicFront"/>
+      <a:lightRig rig="threePt" dir="t"/>
+    </dgm:scene3d>
+    <dgm:sp3d/>
+    <dgm:txPr/>
+    <dgm:style>
+      <a:lnRef idx="2">
+        <a:scrgbClr r="0" g="0" b="0"/>
+      </a:lnRef>
+      <a:fillRef idx="1">
+        <a:scrgbClr r="0" g="0" b="0"/>
+      </a:fillRef>
+      <a:effectRef idx="0">
+        <a:scrgbClr r="0" g="0" b="0"/>
+      </a:effectRef>
+      <a:fontRef idx="minor"/>
+    </dgm:style>
+  </dgm:styleLbl>
+  <dgm:styleLbl name="conFgAcc1">
+    <dgm:scene3d>
+      <a:camera prst="orthographicFront"/>
+      <a:lightRig rig="threePt" dir="t"/>
+    </dgm:scene3d>
+    <dgm:sp3d/>
+    <dgm:txPr/>
+    <dgm:style>
+      <a:lnRef idx="2">
+        <a:scrgbClr r="0" g="0" b="0"/>
+      </a:lnRef>
+      <a:fillRef idx="1">
+        <a:scrgbClr r="0" g="0" b="0"/>
+      </a:fillRef>
+      <a:effectRef idx="0">
+        <a:scrgbClr r="0" g="0" b="0"/>
+      </a:effectRef>
+      <a:fontRef idx="minor"/>
+    </dgm:style>
+  </dgm:styleLbl>
+  <dgm:styleLbl name="alignAcc1">
+    <dgm:scene3d>
+      <a:camera prst="orthographicFront"/>
+      <a:lightRig rig="threePt" dir="t"/>
+    </dgm:scene3d>
+    <dgm:sp3d/>
+    <dgm:txPr/>
+    <dgm:style>
+      <a:lnRef idx="2">
+        <a:scrgbClr r="0" g="0" b="0"/>
+      </a:lnRef>
+      <a:fillRef idx="1">
+        <a:scrgbClr r="0" g="0" b="0"/>
+      </a:fillRef>
+      <a:effectRef idx="0">
+        <a:scrgbClr r="0" g="0" b="0"/>
+      </a:effectRef>
+      <a:fontRef idx="minor"/>
+    </dgm:style>
+  </dgm:styleLbl>
+  <dgm:styleLbl name="trAlignAcc1">
+    <dgm:scene3d>
+      <a:camera prst="orthographicFront"/>
+      <a:lightRig rig="threePt" dir="t"/>
+    </dgm:scene3d>
+    <dgm:sp3d/>
+    <dgm:txPr/>
+    <dgm:style>
+      <a:lnRef idx="1">
+        <a:scrgbClr r="0" g="0" b="0"/>
+      </a:lnRef>
+      <a:fillRef idx="1">
+        <a:scrgbClr r="0" g="0" b="0"/>
+      </a:fillRef>
+      <a:effectRef idx="0">
+        <a:scrgbClr r="0" g="0" b="0"/>
+      </a:effectRef>
+      <a:fontRef idx="minor"/>
+    </dgm:style>
+  </dgm:styleLbl>
+  <dgm:styleLbl name="bgAcc1">
+    <dgm:scene3d>
+      <a:camera prst="orthographicFront"/>
+      <a:lightRig rig="threePt" dir="t"/>
+    </dgm:scene3d>
+    <dgm:sp3d/>
+    <dgm:txPr/>
+    <dgm:style>
+      <a:lnRef idx="2">
+        <a:scrgbClr r="0" g="0" b="0"/>
+      </a:lnRef>
+      <a:fillRef idx="1">
+        <a:scrgbClr r="0" g="0" b="0"/>
+      </a:fillRef>
+      <a:effectRef idx="0">
+        <a:scrgbClr r="0" g="0" b="0"/>
+      </a:effectRef>
+      <a:fontRef idx="minor"/>
+    </dgm:style>
+  </dgm:styleLbl>
+  <dgm:styleLbl name="solidFgAcc1">
+    <dgm:scene3d>
+      <a:camera prst="orthographicFront"/>
+      <a:lightRig rig="threePt" dir="t"/>
+    </dgm:scene3d>
+    <dgm:sp3d/>
+    <dgm:txPr/>
+    <dgm:style>
+      <a:lnRef idx="2">
+        <a:scrgbClr r="0" g="0" b="0"/>
+      </a:lnRef>
+      <a:fillRef idx="1">
+        <a:scrgbClr r="0" g="0" b="0"/>
+      </a:fillRef>
+      <a:effectRef idx="0">
+        <a:scrgbClr r="0" g="0" b="0"/>
+      </a:effectRef>
+      <a:fontRef idx="minor"/>
+    </dgm:style>
+  </dgm:styleLbl>
+  <dgm:styleLbl name="solidAlignAcc1">
+    <dgm:scene3d>
+      <a:camera prst="orthographicFront"/>
+      <a:lightRig rig="threePt" dir="t"/>
+    </dgm:scene3d>
+    <dgm:sp3d/>
+    <dgm:txPr/>
+    <dgm:style>
+      <a:lnRef idx="2">
+        <a:scrgbClr r="0" g="0" b="0"/>
+      </a:lnRef>
+      <a:fillRef idx="1">
+        <a:scrgbClr r="0" g="0" b="0"/>
+      </a:fillRef>
+      <a:effectRef idx="0">
+        <a:scrgbClr r="0" g="0" b="0"/>
+      </a:effectRef>
+      <a:fontRef idx="minor"/>
+    </dgm:style>
+  </dgm:styleLbl>
+  <dgm:styleLbl name="solidBgAcc1">
+    <dgm:scene3d>
+      <a:camera prst="orthographicFront"/>
+      <a:lightRig rig="threePt" dir="t"/>
+    </dgm:scene3d>
+    <dgm:sp3d/>
+    <dgm:txPr/>
+    <dgm:style>
+      <a:lnRef idx="2">
+        <a:scrgbClr r="0" g="0" b="0"/>
+      </a:lnRef>
+      <a:fillRef idx="1">
+        <a:scrgbClr r="0" g="0" b="0"/>
+      </a:fillRef>
+      <a:effectRef idx="0">
+        <a:scrgbClr r="0" g="0" b="0"/>
+      </a:effectRef>
+      <a:fontRef idx="minor"/>
+    </dgm:style>
+  </dgm:styleLbl>
+  <dgm:styleLbl name="fgAccFollowNode1">
+    <dgm:scene3d>
+      <a:camera prst="orthographicFront"/>
+      <a:lightRig rig="threePt" dir="t"/>
+    </dgm:scene3d>
+    <dgm:sp3d/>
+    <dgm:txPr/>
+    <dgm:style>
+      <a:lnRef idx="2">
+        <a:scrgbClr r="0" g="0" b="0"/>
+      </a:lnRef>
+      <a:fillRef idx="1">
+        <a:scrgbClr r="0" g="0" b="0"/>
+      </a:fillRef>
+      <a:effectRef idx="0">
+        <a:scrgbClr r="0" g="0" b="0"/>
+      </a:effectRef>
+      <a:fontRef idx="minor"/>
+    </dgm:style>
+  </dgm:styleLbl>
+  <dgm:styleLbl name="alignAccFollowNode1">
+    <dgm:scene3d>
+      <a:camera prst="orthographicFront"/>
+      <a:lightRig rig="threePt" dir="t"/>
+    </dgm:scene3d>
+    <dgm:sp3d/>
+    <dgm:txPr/>
+    <dgm:style>
+      <a:lnRef idx="2">
+        <a:scrgbClr r="0" g="0" b="0"/>
+      </a:lnRef>
+      <a:fillRef idx="1">
+        <a:scrgbClr r="0" g="0" b="0"/>
+      </a:fillRef>
+      <a:effectRef idx="0">
+        <a:scrgbClr r="0" g="0" b="0"/>
+      </a:effectRef>
+      <a:fontRef idx="minor"/>
+    </dgm:style>
+  </dgm:styleLbl>
+  <dgm:styleLbl name="bgAccFollowNode1">
+    <dgm:scene3d>
+      <a:camera prst="orthographicFront"/>
+      <a:lightRig rig="threePt" dir="t"/>
+    </dgm:scene3d>
+    <dgm:sp3d/>
+    <dgm:txPr/>
+    <dgm:style>
+      <a:lnRef idx="2">
+        <a:scrgbClr r="0" g="0" b="0"/>
+      </a:lnRef>
+      <a:fillRef idx="1">
+        <a:scrgbClr r="0" g="0" b="0"/>
+      </a:fillRef>
+      <a:effectRef idx="0">
+        <a:scrgbClr r="0" g="0" b="0"/>
+      </a:effectRef>
+      <a:fontRef idx="minor"/>
+    </dgm:style>
+  </dgm:styleLbl>
+  <dgm:styleLbl name="fgAcc0">
+    <dgm:scene3d>
+      <a:camera prst="orthographicFront"/>
+      <a:lightRig rig="threePt" dir="t"/>
+    </dgm:scene3d>
+    <dgm:sp3d/>
+    <dgm:txPr/>
+    <dgm:style>
+      <a:lnRef idx="2">
+        <a:scrgbClr r="0" g="0" b="0"/>
+      </a:lnRef>
+      <a:fillRef idx="1">
+        <a:scrgbClr r="0" g="0" b="0"/>
+      </a:fillRef>
+      <a:effectRef idx="0">
+        <a:scrgbClr r="0" g="0" b="0"/>
+      </a:effectRef>
+      <a:fontRef idx="minor"/>
+    </dgm:style>
+  </dgm:styleLbl>
+  <dgm:styleLbl name="fgAcc2">
+    <dgm:scene3d>
+      <a:camera prst="orthographicFront"/>
+      <a:lightRig rig="threePt" dir="t"/>
+    </dgm:scene3d>
+    <dgm:sp3d/>
+    <dgm:txPr/>
+    <dgm:style>
+      <a:lnRef idx="2">
+        <a:scrgbClr r="0" g="0" b="0"/>
+      </a:lnRef>
+      <a:fillRef idx="1">
+        <a:scrgbClr r="0" g="0" b="0"/>
+      </a:fillRef>
+      <a:effectRef idx="0">
+        <a:scrgbClr r="0" g="0" b="0"/>
+      </a:effectRef>
+      <a:fontRef idx="minor"/>
+    </dgm:style>
+  </dgm:styleLbl>
+  <dgm:styleLbl name="fgAcc3">
+    <dgm:scene3d>
+      <a:camera prst="orthographicFront"/>
+      <a:lightRig rig="threePt" dir="t"/>
+    </dgm:scene3d>
+    <dgm:sp3d/>
+    <dgm:txPr/>
+    <dgm:style>
+      <a:lnRef idx="2">
+        <a:scrgbClr r="0" g="0" b="0"/>
+      </a:lnRef>
+      <a:fillRef idx="1">
+        <a:scrgbClr r="0" g="0" b="0"/>
+      </a:fillRef>
+      <a:effectRef idx="0">
+        <a:scrgbClr r="0" g="0" b="0"/>
+      </a:effectRef>
+      <a:fontRef idx="minor"/>
+    </dgm:style>
+  </dgm:styleLbl>
+  <dgm:styleLbl name="fgAcc4">
+    <dgm:scene3d>
+      <a:camera prst="orthographicFront"/>
+      <a:lightRig rig="threePt" dir="t"/>
+    </dgm:scene3d>
+    <dgm:sp3d/>
+    <dgm:txPr/>
+    <dgm:style>
+      <a:lnRef idx="2">
+        <a:scrgbClr r="0" g="0" b="0"/>
+      </a:lnRef>
+      <a:fillRef idx="1">
+        <a:scrgbClr r="0" g="0" b="0"/>
+      </a:fillRef>
+      <a:effectRef idx="0">
+        <a:scrgbClr r="0" g="0" b="0"/>
+      </a:effectRef>
+      <a:fontRef idx="minor"/>
+    </dgm:style>
+  </dgm:styleLbl>
+  <dgm:styleLbl name="bgShp">
+    <dgm:scene3d>
+      <a:camera prst="orthographicFront"/>
+      <a:lightRig rig="threePt" dir="t"/>
+    </dgm:scene3d>
+    <dgm:sp3d/>
+    <dgm:txPr/>
+    <dgm:style>
+      <a:lnRef idx="0">
+        <a:scrgbClr r="0" g="0" b="0"/>
+      </a:lnRef>
+      <a:fillRef idx="1">
+        <a:scrgbClr r="0" g="0" b="0"/>
+      </a:fillRef>
+      <a:effectRef idx="0">
+        <a:scrgbClr r="0" g="0" b="0"/>
+      </a:effectRef>
+      <a:fontRef idx="minor"/>
+    </dgm:style>
+  </dgm:styleLbl>
+  <dgm:styleLbl name="dkBgShp">
+    <dgm:scene3d>
+      <a:camera prst="orthographicFront"/>
+      <a:lightRig rig="threePt" dir="t"/>
+    </dgm:scene3d>
+    <dgm:sp3d/>
+    <dgm:txPr/>
+    <dgm:style>
+      <a:lnRef idx="0">
+        <a:scrgbClr r="0" g="0" b="0"/>
+      </a:lnRef>
+      <a:fillRef idx="1">
+        <a:scrgbClr r="0" g="0" b="0"/>
+      </a:fillRef>
+      <a:effectRef idx="0">
+        <a:scrgbClr r="0" g="0" b="0"/>
+      </a:effectRef>
+      <a:fontRef idx="minor"/>
+    </dgm:style>
+  </dgm:styleLbl>
+  <dgm:styleLbl name="trBgShp">
+    <dgm:scene3d>
+      <a:camera prst="orthographicFront"/>
+      <a:lightRig rig="threePt" dir="t"/>
+    </dgm:scene3d>
+    <dgm:sp3d/>
+    <dgm:txPr/>
+    <dgm:style>
+      <a:lnRef idx="0">
+        <a:scrgbClr r="0" g="0" b="0"/>
+      </a:lnRef>
+      <a:fillRef idx="1">
+        <a:scrgbClr r="0" g="0" b="0"/>
+      </a:fillRef>
+      <a:effectRef idx="0">
+        <a:scrgbClr r="0" g="0" b="0"/>
+      </a:effectRef>
+      <a:fontRef idx="minor"/>
+    </dgm:style>
+  </dgm:styleLbl>
+  <dgm:styleLbl name="fgShp">
+    <dgm:scene3d>
+      <a:camera prst="orthographicFront"/>
+      <a:lightRig rig="threePt" dir="t"/>
+    </dgm:scene3d>
+    <dgm:sp3d/>
+    <dgm:txPr/>
+    <dgm:style>
+      <a:lnRef idx="2">
+        <a:scrgbClr r="0" g="0" b="0"/>
+      </a:lnRef>
+      <a:fillRef idx="1">
+        <a:scrgbClr r="0" g="0" b="0"/>
+      </a:fillRef>
+      <a:effectRef idx="0">
+        <a:scrgbClr r="0" g="0" b="0"/>
+      </a:effectRef>
+      <a:fontRef idx="minor"/>
+    </dgm:style>
+  </dgm:styleLbl>
+  <dgm:styleLbl name="revTx">
+    <dgm:scene3d>
+      <a:camera prst="orthographicFront"/>
+      <a:lightRig rig="threePt" dir="t"/>
+    </dgm:scene3d>
+    <dgm:sp3d/>
+    <dgm:txPr/>
+    <dgm:style>
+      <a:lnRef idx="0">
+        <a:scrgbClr r="0" g="0" b="0"/>
+      </a:lnRef>
+      <a:fillRef idx="0">
+        <a:scrgbClr r="0" g="0" b="0"/>
+      </a:fillRef>
+      <a:effectRef idx="0">
+        <a:scrgbClr r="0" g="0" b="0"/>
+      </a:effectRef>
+      <a:fontRef idx="minor"/>
+    </dgm:style>
+  </dgm:styleLbl>
+</dgm:styleDef>
+</file>
+
+<file path=ppt/diagrams/quickStyle2.xml><?xml version="1.0" encoding="utf-8"?>
 <dgm:styleDef xmlns:dgm="http://schemas.openxmlformats.org/drawingml/2006/diagram" xmlns:a="http://schemas.openxmlformats.org/drawingml/2006/main" uniqueId="urn:microsoft.com/office/officeart/2005/8/quickstyle/simple1">
   <dgm:title val=""/>
   <dgm:desc val=""/>
@@ -3736,7 +6196,7 @@
           </a:ln>
           <a:extLst>
             <a:ext uri="{C572A759-6A51-4108-AA02-DFA0A04FC94B}">
-              <ma14:wrappingTextBoxFlag xmlns:ma14="http://schemas.microsoft.com/office/mac/drawingml/2011/main" xmlns="" val="1"/>
+              <ma14:wrappingTextBoxFlag xmlns="" xmlns:ma14="http://schemas.microsoft.com/office/mac/drawingml/2011/main" val="1"/>
             </a:ext>
           </a:extLst>
         </p:spPr>
@@ -4150,7 +6610,7 @@
             <a:effectLst/>
             <a:extLst>
               <a:ext uri="{C572A759-6A51-4108-AA02-DFA0A04FC94B}">
-                <ma14:wrappingTextBoxFlag xmlns:ma14="http://schemas.microsoft.com/office/mac/drawingml/2011/main" xmlns="" val="1"/>
+                <ma14:wrappingTextBoxFlag xmlns="" xmlns:ma14="http://schemas.microsoft.com/office/mac/drawingml/2011/main" val="1"/>
               </a:ext>
             </a:extLst>
           </p:spPr>
@@ -4524,7 +6984,7 @@
             <a:effectLst/>
             <a:extLst>
               <a:ext uri="{C572A759-6A51-4108-AA02-DFA0A04FC94B}">
-                <ma14:wrappingTextBoxFlag xmlns:ma14="http://schemas.microsoft.com/office/mac/drawingml/2011/main" xmlns="" val="1"/>
+                <ma14:wrappingTextBoxFlag xmlns="" xmlns:ma14="http://schemas.microsoft.com/office/mac/drawingml/2011/main" val="1"/>
               </a:ext>
             </a:extLst>
           </p:spPr>
@@ -4668,7 +7128,7 @@
           </a:ln>
           <a:extLst>
             <a:ext uri="{C572A759-6A51-4108-AA02-DFA0A04FC94B}">
-              <ma14:wrappingTextBoxFlag xmlns:ma14="http://schemas.microsoft.com/office/mac/drawingml/2011/main" xmlns="" val="1"/>
+              <ma14:wrappingTextBoxFlag xmlns="" xmlns:ma14="http://schemas.microsoft.com/office/mac/drawingml/2011/main" val="1"/>
             </a:ext>
           </a:extLst>
         </p:spPr>
@@ -4796,7 +7256,7 @@
             <a:effectLst/>
             <a:extLst>
               <a:ext uri="{C572A759-6A51-4108-AA02-DFA0A04FC94B}">
-                <ma14:wrappingTextBoxFlag xmlns:ma14="http://schemas.microsoft.com/office/mac/drawingml/2011/main" xmlns="" val="1"/>
+                <ma14:wrappingTextBoxFlag xmlns="" xmlns:ma14="http://schemas.microsoft.com/office/mac/drawingml/2011/main" val="1"/>
               </a:ext>
             </a:extLst>
           </p:spPr>
@@ -4880,7 +7340,7 @@
           </a:ln>
           <a:extLst>
             <a:ext uri="{C572A759-6A51-4108-AA02-DFA0A04FC94B}">
-              <ma14:wrappingTextBoxFlag xmlns:ma14="http://schemas.microsoft.com/office/mac/drawingml/2011/main" xmlns="" val="1"/>
+              <ma14:wrappingTextBoxFlag xmlns="" xmlns:ma14="http://schemas.microsoft.com/office/mac/drawingml/2011/main" val="1"/>
             </a:ext>
           </a:extLst>
         </p:spPr>
@@ -5914,7 +8374,7 @@
           </a:ln>
           <a:extLst>
             <a:ext uri="{C572A759-6A51-4108-AA02-DFA0A04FC94B}">
-              <ma14:wrappingTextBoxFlag xmlns:ma14="http://schemas.microsoft.com/office/mac/drawingml/2011/main" xmlns="" val="1"/>
+              <ma14:wrappingTextBoxFlag xmlns="" xmlns:ma14="http://schemas.microsoft.com/office/mac/drawingml/2011/main" val="1"/>
             </a:ext>
           </a:extLst>
         </p:spPr>
@@ -6354,6 +8814,60 @@
           <a:chExt cx="0" cy="0"/>
         </a:xfrm>
       </p:grpSpPr>
+      <p:pic>
+        <p:nvPicPr>
+          <p:cNvPr id="1026" name="Picture 2"/>
+          <p:cNvPicPr>
+            <a:picLocks noChangeAspect="1" noChangeArrowheads="1"/>
+          </p:cNvPicPr>
+          <p:nvPr/>
+        </p:nvPicPr>
+        <p:blipFill>
+          <a:blip r:embed="rId2">
+            <a:extLst>
+              <a:ext uri="{28A0092B-C50C-407E-A947-70E740481C1C}">
+                <a14:useLocalDpi xmlns:a14="http://schemas.microsoft.com/office/drawing/2010/main" val="0"/>
+              </a:ext>
+            </a:extLst>
+          </a:blip>
+          <a:srcRect/>
+          <a:stretch>
+            <a:fillRect/>
+          </a:stretch>
+        </p:blipFill>
+        <p:spPr bwMode="auto">
+          <a:xfrm>
+            <a:off x="4114800" y="5319720"/>
+            <a:ext cx="12954000" cy="7728238"/>
+          </a:xfrm>
+          <a:prstGeom prst="rect">
+            <a:avLst/>
+          </a:prstGeom>
+          <a:noFill/>
+          <a:ln>
+            <a:noFill/>
+          </a:ln>
+          <a:extLst>
+            <a:ext uri="{909E8E84-426E-40DD-AFC4-6F175D3DCCD1}">
+              <a14:hiddenFill xmlns:a14="http://schemas.microsoft.com/office/drawing/2010/main">
+                <a:solidFill>
+                  <a:schemeClr val="accent1"/>
+                </a:solidFill>
+              </a14:hiddenFill>
+            </a:ext>
+            <a:ext uri="{91240B29-F687-4F45-9708-019B960494DF}">
+              <a14:hiddenLine xmlns:a14="http://schemas.microsoft.com/office/drawing/2010/main" w="9525">
+                <a:solidFill>
+                  <a:schemeClr val="tx1"/>
+                </a:solidFill>
+                <a:miter lim="800000"/>
+                <a:headEnd/>
+                <a:tailEnd/>
+              </a14:hiddenLine>
+            </a:ext>
+          </a:extLst>
+        </p:spPr>
+      </p:pic>
       <p:sp>
         <p:nvSpPr>
           <p:cNvPr id="72" name="Shape 72"/>
@@ -6418,7 +8932,7 @@
             </a:r>
             <a:r>
               <a:rPr lang="nl-BE" dirty="0" smtClean="0"/>
-              <a:t>, e.g. creation of Finvex low risk index:</a:t>
+              <a:t> about risk optimized investment: Winning by losing less. </a:t>
             </a:r>
             <a:endParaRPr dirty="0"/>
           </a:p>
@@ -6482,63 +8996,88 @@
           </a:p>
         </p:txBody>
       </p:sp>
-      <p:pic>
-        <p:nvPicPr>
-          <p:cNvPr id="2052" name="Picture 4"/>
-          <p:cNvPicPr>
-            <a:picLocks noChangeAspect="1" noChangeArrowheads="1"/>
-          </p:cNvPicPr>
+      <p:sp>
+        <p:nvSpPr>
+          <p:cNvPr id="3" name="Rectangle 2"/>
+          <p:cNvSpPr/>
           <p:nvPr/>
-        </p:nvPicPr>
-        <p:blipFill>
-          <a:blip r:embed="rId2">
-            <a:extLst>
-              <a:ext uri="{28A0092B-C50C-407E-A947-70E740481C1C}">
-                <a14:useLocalDpi xmlns:a14="http://schemas.microsoft.com/office/drawing/2010/main" val="0"/>
-              </a:ext>
-            </a:extLst>
-          </a:blip>
-          <a:srcRect/>
-          <a:stretch>
-            <a:fillRect/>
-          </a:stretch>
-        </p:blipFill>
-        <p:spPr bwMode="auto">
+        </p:nvSpPr>
+        <p:spPr>
           <a:xfrm>
-            <a:off x="4672212" y="4495799"/>
-            <a:ext cx="9577188" cy="8491115"/>
+            <a:off x="6705600" y="8534400"/>
+            <a:ext cx="1371600" cy="2590800"/>
           </a:xfrm>
           <a:prstGeom prst="rect">
             <a:avLst/>
           </a:prstGeom>
           <a:noFill/>
-          <a:ln>
+          <a:ln w="12700" cap="flat">
             <a:noFill/>
+            <a:miter lim="400000"/>
           </a:ln>
-          <a:extLst>
-            <a:ext uri="{909E8E84-426E-40DD-AFC4-6F175D3DCCD1}">
-              <a14:hiddenFill xmlns:a14="http://schemas.microsoft.com/office/drawing/2010/main">
-                <a:solidFill>
-                  <a:schemeClr val="accent1"/>
-                </a:solidFill>
-              </a14:hiddenFill>
-            </a:ext>
-            <a:ext uri="{91240B29-F687-4F45-9708-019B960494DF}">
-              <a14:hiddenLine xmlns:a14="http://schemas.microsoft.com/office/drawing/2010/main" w="9525">
-                <a:solidFill>
-                  <a:schemeClr val="tx1"/>
-                </a:solidFill>
-                <a:miter lim="800000"/>
-                <a:headEnd/>
-                <a:tailEnd/>
-              </a14:hiddenLine>
-            </a:ext>
-          </a:extLst>
+          <a:effectLst>
+            <a:outerShdw blurRad="50800" dist="25400" dir="5400000" rotWithShape="0">
+              <a:srgbClr val="000000">
+                <a:alpha val="50000"/>
+              </a:srgbClr>
+            </a:outerShdw>
+          </a:effectLst>
+          <a:sp3d/>
         </p:spPr>
-      </p:pic>
+        <p:style>
+          <a:lnRef idx="0">
+            <a:scrgbClr r="0" g="0" b="0"/>
+          </a:lnRef>
+          <a:fillRef idx="0">
+            <a:scrgbClr r="0" g="0" b="0"/>
+          </a:fillRef>
+          <a:effectRef idx="0">
+            <a:scrgbClr r="0" g="0" b="0"/>
+          </a:effectRef>
+          <a:fontRef idx="none"/>
+        </p:style>
+        <p:txBody>
+          <a:bodyPr rot="0" spcFirstLastPara="1" vertOverflow="overflow" horzOverflow="overflow" vert="horz" wrap="square" lIns="71437" tIns="71437" rIns="71437" bIns="71437" numCol="1" spcCol="38100" rtlCol="0" anchor="ctr">
+            <a:spAutoFit/>
+          </a:bodyPr>
+          <a:lstStyle/>
+          <a:p>
+            <a:pPr marL="0" marR="0" indent="0" algn="ctr" defTabSz="821531" rtl="0" fontAlgn="auto" latinLnBrk="0" hangingPunct="0">
+              <a:lnSpc>
+                <a:spcPct val="100000"/>
+              </a:lnSpc>
+              <a:spcBef>
+                <a:spcPts val="0"/>
+              </a:spcBef>
+              <a:spcAft>
+                <a:spcPts val="0"/>
+              </a:spcAft>
+              <a:buClrTx/>
+              <a:buSzTx/>
+              <a:buFontTx/>
+              <a:buNone/>
+              <a:tabLst/>
+            </a:pPr>
+            <a:endParaRPr kumimoji="0" lang="nl-BE" sz="3200" b="0" i="0" u="none" strike="noStrike" cap="none" spc="0" normalizeH="0" baseline="0">
+              <a:ln>
+                <a:noFill/>
+              </a:ln>
+              <a:solidFill>
+                <a:srgbClr val="FFFFFF"/>
+              </a:solidFill>
+              <a:effectLst/>
+              <a:uFillTx/>
+              <a:latin typeface="+mn-lt"/>
+              <a:ea typeface="+mn-ea"/>
+              <a:cs typeface="+mn-cs"/>
+              <a:sym typeface="Helvetica Light"/>
+            </a:endParaRPr>
+          </a:p>
+        </p:txBody>
+      </p:sp>
       <p:pic>
         <p:nvPicPr>
-          <p:cNvPr id="2053" name="Picture 5"/>
+          <p:cNvPr id="1030" name="Picture 6" descr="http://www.finvex.com/img/logo.jpg"/>
           <p:cNvPicPr>
             <a:picLocks noChangeAspect="1" noChangeArrowheads="1"/>
           </p:cNvPicPr>
@@ -6559,33 +9098,20 @@
         </p:blipFill>
         <p:spPr bwMode="auto">
           <a:xfrm>
-            <a:off x="14706600" y="4761708"/>
-            <a:ext cx="9491749" cy="2971800"/>
+            <a:off x="914400" y="6861048"/>
+            <a:ext cx="2701925" cy="3346703"/>
           </a:xfrm>
           <a:prstGeom prst="rect">
             <a:avLst/>
           </a:prstGeom>
           <a:noFill/>
-          <a:ln>
-            <a:noFill/>
-          </a:ln>
           <a:extLst>
             <a:ext uri="{909E8E84-426E-40DD-AFC4-6F175D3DCCD1}">
               <a14:hiddenFill xmlns:a14="http://schemas.microsoft.com/office/drawing/2010/main">
                 <a:solidFill>
-                  <a:schemeClr val="accent1"/>
+                  <a:srgbClr val="FFFFFF"/>
                 </a:solidFill>
               </a14:hiddenFill>
-            </a:ext>
-            <a:ext uri="{91240B29-F687-4F45-9708-019B960494DF}">
-              <a14:hiddenLine xmlns:a14="http://schemas.microsoft.com/office/drawing/2010/main" w="9525">
-                <a:solidFill>
-                  <a:schemeClr val="tx1"/>
-                </a:solidFill>
-                <a:miter lim="800000"/>
-                <a:headEnd/>
-                <a:tailEnd/>
-              </a14:hiddenLine>
             </a:ext>
           </a:extLst>
         </p:spPr>
@@ -6691,7 +9217,7 @@
           <p:nvPr>
             <p:extLst>
               <p:ext uri="{D42A27DB-BD31-4B8C-83A1-F6EECF244321}">
-                <p14:modId xmlns:p14="http://schemas.microsoft.com/office/powerpoint/2010/main" val="1230790661"/>
+                <p14:modId xmlns:p14="http://schemas.microsoft.com/office/powerpoint/2010/main" val="3001578212"/>
               </p:ext>
             </p:extLst>
           </p:nvPr>
@@ -7316,56 +9842,32 @@
           <a:bodyPr/>
           <a:lstStyle/>
           <a:p>
-            <a:r>
-              <a:rPr dirty="0">
-                <a:solidFill>
-                  <a:schemeClr val="tx1"/>
-                </a:solidFill>
-              </a:rPr>
-              <a:t>Ch. 1: Portfolio Weights &amp; Returns</a:t>
-            </a:r>
-          </a:p>
-          <a:p>
-            <a:r>
-              <a:rPr dirty="0">
-                <a:solidFill>
-                  <a:schemeClr val="tx1"/>
-                </a:solidFill>
-              </a:rPr>
-              <a:t>Ch. 2: Portfolio Performance </a:t>
-            </a:r>
-            <a:r>
-              <a:rPr dirty="0" smtClean="0">
-                <a:solidFill>
-                  <a:schemeClr val="tx1"/>
-                </a:solidFill>
-              </a:rPr>
-              <a:t>Evaluation</a:t>
-            </a:r>
-            <a:endParaRPr dirty="0">
-              <a:solidFill>
-                <a:schemeClr val="tx1"/>
-              </a:solidFill>
-            </a:endParaRPr>
-          </a:p>
-          <a:p>
-            <a:r>
-              <a:rPr dirty="0">
-                <a:solidFill>
-                  <a:schemeClr val="tx1"/>
-                </a:solidFill>
-              </a:rPr>
-              <a:t>Ch. 3: Drivers of Performance </a:t>
-            </a:r>
-          </a:p>
-          <a:p>
-            <a:r>
-              <a:rPr dirty="0"/>
-              <a:t>Ch. 4: Portfolio Optimization</a:t>
-            </a:r>
+            <a:endParaRPr dirty="0"/>
           </a:p>
         </p:txBody>
       </p:sp>
+      <p:graphicFrame>
+        <p:nvGraphicFramePr>
+          <p:cNvPr id="2" name="Diagram 1"/>
+          <p:cNvGraphicFramePr/>
+          <p:nvPr>
+            <p:extLst>
+              <p:ext uri="{D42A27DB-BD31-4B8C-83A1-F6EECF244321}">
+                <p14:modId xmlns:p14="http://schemas.microsoft.com/office/powerpoint/2010/main" val="2840890137"/>
+              </p:ext>
+            </p:extLst>
+          </p:nvPr>
+        </p:nvGraphicFramePr>
+        <p:xfrm>
+          <a:off x="3581400" y="3962400"/>
+          <a:ext cx="12344400" cy="9465733"/>
+        </p:xfrm>
+        <a:graphic>
+          <a:graphicData uri="http://schemas.openxmlformats.org/drawingml/2006/diagram">
+            <dgm:relIds xmlns:dgm="http://schemas.openxmlformats.org/drawingml/2006/diagram" xmlns:r="http://schemas.openxmlformats.org/officeDocument/2006/relationships" r:dm="rId2" r:lo="rId3" r:qs="rId4" r:cs="rId5"/>
+          </a:graphicData>
+        </a:graphic>
+      </p:graphicFrame>
     </p:spTree>
     <p:extLst>
       <p:ext uri="{BB962C8B-B14F-4D97-AF65-F5344CB8AC3E}">

--- a/scripts/ch_1_video_1.pptx
+++ b/scripts/ch_1_video_1.pptx
@@ -8585,204 +8585,6 @@
           </a:extLst>
         </p:spPr>
       </p:pic>
-      <p:pic>
-        <p:nvPicPr>
-          <p:cNvPr id="1032" name="Picture 8" descr="https://s-media-cache-ak0.pinimg.com/736x/27/9c/d9/279cd974f6155abe16049f735e8bb965.jpg"/>
-          <p:cNvPicPr>
-            <a:picLocks noChangeAspect="1" noChangeArrowheads="1"/>
-          </p:cNvPicPr>
-          <p:nvPr/>
-        </p:nvPicPr>
-        <p:blipFill>
-          <a:blip r:embed="rId4">
-            <a:extLst>
-              <a:ext uri="{28A0092B-C50C-407E-A947-70E740481C1C}">
-                <a14:useLocalDpi xmlns:a14="http://schemas.microsoft.com/office/drawing/2010/main" val="0"/>
-              </a:ext>
-            </a:extLst>
-          </a:blip>
-          <a:srcRect/>
-          <a:stretch>
-            <a:fillRect/>
-          </a:stretch>
-        </p:blipFill>
-        <p:spPr bwMode="auto">
-          <a:xfrm>
-            <a:off x="3657600" y="8410994"/>
-            <a:ext cx="6000750" cy="3990976"/>
-          </a:xfrm>
-          <a:prstGeom prst="rect">
-            <a:avLst/>
-          </a:prstGeom>
-          <a:noFill/>
-          <a:extLst>
-            <a:ext uri="{909E8E84-426E-40DD-AFC4-6F175D3DCCD1}">
-              <a14:hiddenFill xmlns:a14="http://schemas.microsoft.com/office/drawing/2010/main">
-                <a:solidFill>
-                  <a:srgbClr val="FFFFFF"/>
-                </a:solidFill>
-              </a14:hiddenFill>
-            </a:ext>
-          </a:extLst>
-        </p:spPr>
-      </p:pic>
-      <p:pic>
-        <p:nvPicPr>
-          <p:cNvPr id="1034" name="Picture 10" descr="http://vrouwenvannu.nl/sites/default/files/styles/blok_banner/public/media/klompen_6.jpg?itok=OZP9irjP"/>
-          <p:cNvPicPr>
-            <a:picLocks noChangeAspect="1" noChangeArrowheads="1"/>
-          </p:cNvPicPr>
-          <p:nvPr/>
-        </p:nvPicPr>
-        <p:blipFill>
-          <a:blip r:embed="rId5">
-            <a:extLst>
-              <a:ext uri="{28A0092B-C50C-407E-A947-70E740481C1C}">
-                <a14:useLocalDpi xmlns:a14="http://schemas.microsoft.com/office/drawing/2010/main" val="0"/>
-              </a:ext>
-            </a:extLst>
-          </a:blip>
-          <a:srcRect/>
-          <a:stretch>
-            <a:fillRect/>
-          </a:stretch>
-        </p:blipFill>
-        <p:spPr bwMode="auto">
-          <a:xfrm>
-            <a:off x="14325600" y="8323570"/>
-            <a:ext cx="5562600" cy="4165825"/>
-          </a:xfrm>
-          <a:prstGeom prst="rect">
-            <a:avLst/>
-          </a:prstGeom>
-          <a:noFill/>
-          <a:extLst>
-            <a:ext uri="{909E8E84-426E-40DD-AFC4-6F175D3DCCD1}">
-              <a14:hiddenFill xmlns:a14="http://schemas.microsoft.com/office/drawing/2010/main">
-                <a:solidFill>
-                  <a:srgbClr val="FFFFFF"/>
-                </a:solidFill>
-              </a14:hiddenFill>
-            </a:ext>
-          </a:extLst>
-        </p:spPr>
-      </p:pic>
-      <p:sp>
-        <p:nvSpPr>
-          <p:cNvPr id="2" name="TextBox 1"/>
-          <p:cNvSpPr txBox="1"/>
-          <p:nvPr/>
-        </p:nvSpPr>
-        <p:spPr>
-          <a:xfrm>
-            <a:off x="14554200" y="12719167"/>
-            <a:ext cx="6858000" cy="698267"/>
-          </a:xfrm>
-          <a:prstGeom prst="rect">
-            <a:avLst/>
-          </a:prstGeom>
-          <a:noFill/>
-          <a:ln w="12700" cap="flat">
-            <a:noFill/>
-            <a:miter lim="400000"/>
-          </a:ln>
-          <a:effectLst/>
-          <a:sp3d/>
-        </p:spPr>
-        <p:style>
-          <a:lnRef idx="0">
-            <a:scrgbClr r="0" g="0" b="0"/>
-          </a:lnRef>
-          <a:fillRef idx="0">
-            <a:scrgbClr r="0" g="0" b="0"/>
-          </a:fillRef>
-          <a:effectRef idx="0">
-            <a:scrgbClr r="0" g="0" b="0"/>
-          </a:effectRef>
-          <a:fontRef idx="none"/>
-        </p:style>
-        <p:txBody>
-          <a:bodyPr rot="0" spcFirstLastPara="1" vertOverflow="overflow" horzOverflow="overflow" vert="horz" wrap="square" lIns="71437" tIns="71437" rIns="71437" bIns="71437" numCol="1" spcCol="38100" rtlCol="0" anchor="ctr">
-            <a:spAutoFit/>
-          </a:bodyPr>
-          <a:lstStyle/>
-          <a:p>
-            <a:r>
-              <a:rPr lang="nl-BE" sz="1800" dirty="0"/>
-              <a:t>http://vrouwenvannu.nl/nieuw-amsterdamveenoord/hinky-bangma-op-klompen-door-amerika</a:t>
-            </a:r>
-            <a:endParaRPr kumimoji="0" lang="nl-BE" sz="1800" b="0" i="0" u="none" strike="noStrike" cap="none" spc="0" normalizeH="0" baseline="0" dirty="0">
-              <a:ln>
-                <a:noFill/>
-              </a:ln>
-              <a:solidFill>
-                <a:srgbClr val="000000"/>
-              </a:solidFill>
-              <a:effectLst/>
-              <a:uFillTx/>
-              <a:sym typeface="Helvetica Light"/>
-            </a:endParaRPr>
-          </a:p>
-        </p:txBody>
-      </p:sp>
-      <p:sp>
-        <p:nvSpPr>
-          <p:cNvPr id="3" name="TextBox 2"/>
-          <p:cNvSpPr txBox="1"/>
-          <p:nvPr/>
-        </p:nvSpPr>
-        <p:spPr>
-          <a:xfrm>
-            <a:off x="4267200" y="12257501"/>
-            <a:ext cx="5695950" cy="1621597"/>
-          </a:xfrm>
-          <a:prstGeom prst="rect">
-            <a:avLst/>
-          </a:prstGeom>
-          <a:noFill/>
-          <a:ln w="12700" cap="flat">
-            <a:noFill/>
-            <a:miter lim="400000"/>
-          </a:ln>
-          <a:effectLst/>
-          <a:sp3d/>
-        </p:spPr>
-        <p:style>
-          <a:lnRef idx="0">
-            <a:scrgbClr r="0" g="0" b="0"/>
-          </a:lnRef>
-          <a:fillRef idx="0">
-            <a:scrgbClr r="0" g="0" b="0"/>
-          </a:fillRef>
-          <a:effectRef idx="0">
-            <a:scrgbClr r="0" g="0" b="0"/>
-          </a:effectRef>
-          <a:fontRef idx="none"/>
-        </p:style>
-        <p:txBody>
-          <a:bodyPr rot="0" spcFirstLastPara="1" vertOverflow="overflow" horzOverflow="overflow" vert="horz" wrap="square" lIns="71437" tIns="71437" rIns="71437" bIns="71437" numCol="1" spcCol="38100" rtlCol="0" anchor="ctr">
-            <a:spAutoFit/>
-          </a:bodyPr>
-          <a:lstStyle/>
-          <a:p>
-            <a:r>
-              <a:rPr lang="nl-BE" sz="2400" dirty="0"/>
-              <a:t>http://www.hln.be/hln/nl/9091/Time-out/article/detail/1807049/2014/03/07/Manneken-Pis-gekleed-in-nieuw-WK-shirt-Rode-Duivels.dhtml</a:t>
-            </a:r>
-            <a:endParaRPr kumimoji="0" lang="nl-BE" sz="2400" b="0" i="0" u="none" strike="noStrike" cap="none" spc="0" normalizeH="0" baseline="0" dirty="0">
-              <a:ln>
-                <a:noFill/>
-              </a:ln>
-              <a:solidFill>
-                <a:srgbClr val="000000"/>
-              </a:solidFill>
-              <a:effectLst/>
-              <a:uFillTx/>
-              <a:sym typeface="Helvetica Light"/>
-            </a:endParaRPr>
-          </a:p>
-        </p:txBody>
-      </p:sp>
     </p:spTree>
     <p:extLst>
       <p:ext uri="{BB962C8B-B14F-4D97-AF65-F5344CB8AC3E}">
